--- a/경우의 수 임용고시 2013.pptx
+++ b/경우의 수 임용고시 2013.pptx
@@ -9,10 +9,13 @@
     <p:sldId id="259" r:id="rId3"/>
     <p:sldId id="257" r:id="rId4"/>
     <p:sldId id="285" r:id="rId5"/>
-    <p:sldId id="290" r:id="rId6"/>
-    <p:sldId id="291" r:id="rId7"/>
-    <p:sldId id="292" r:id="rId8"/>
-    <p:sldId id="293" r:id="rId9"/>
+    <p:sldId id="294" r:id="rId6"/>
+    <p:sldId id="296" r:id="rId7"/>
+    <p:sldId id="297" r:id="rId8"/>
+    <p:sldId id="298" r:id="rId9"/>
+    <p:sldId id="299" r:id="rId10"/>
+    <p:sldId id="295" r:id="rId11"/>
+    <p:sldId id="293" r:id="rId12"/>
   </p:sldIdLst>
   <p:sldSz cx="12192000" cy="6858000"/>
   <p:notesSz cx="6858000" cy="9144000"/>
@@ -161,10 +164,9 @@
           </a:lstStyle>
           <a:p>
             <a:r>
-              <a:rPr lang="en-US" smtClean="0"/>
+              <a:rPr lang="en-US"/>
               <a:t>Click to edit Master title style</a:t>
             </a:r>
-            <a:endParaRPr lang="en-US"/>
           </a:p>
         </p:txBody>
       </p:sp>
@@ -226,10 +228,9 @@
           </a:lstStyle>
           <a:p>
             <a:r>
-              <a:rPr lang="en-US" smtClean="0"/>
+              <a:rPr lang="en-US"/>
               <a:t>Click to edit Master subtitle style</a:t>
             </a:r>
-            <a:endParaRPr lang="en-US"/>
           </a:p>
         </p:txBody>
       </p:sp>
@@ -250,7 +251,7 @@
           <a:p>
             <a:fld id="{5B3AD1D6-AE87-C841-B3FD-7C9F7FCAE5AE}" type="datetimeFigureOut">
               <a:rPr lang="en-US" smtClean="0"/>
-              <a:t>12/16/19</a:t>
+              <a:t>12/20/19</a:t>
             </a:fld>
             <a:endParaRPr lang="en-US"/>
           </a:p>
@@ -344,10 +345,9 @@
           <a:lstStyle/>
           <a:p>
             <a:r>
-              <a:rPr lang="en-US" smtClean="0"/>
+              <a:rPr lang="en-US"/>
               <a:t>Click to edit Master title style</a:t>
             </a:r>
-            <a:endParaRPr lang="en-US"/>
           </a:p>
         </p:txBody>
       </p:sp>
@@ -368,38 +368,37 @@
           <a:p>
             <a:pPr lvl="0"/>
             <a:r>
-              <a:rPr lang="en-US" smtClean="0"/>
+              <a:rPr lang="en-US"/>
               <a:t>Click to edit Master text styles</a:t>
             </a:r>
           </a:p>
           <a:p>
             <a:pPr lvl="1"/>
             <a:r>
-              <a:rPr lang="en-US" smtClean="0"/>
+              <a:rPr lang="en-US"/>
               <a:t>Second level</a:t>
             </a:r>
           </a:p>
           <a:p>
             <a:pPr lvl="2"/>
             <a:r>
-              <a:rPr lang="en-US" smtClean="0"/>
+              <a:rPr lang="en-US"/>
               <a:t>Third level</a:t>
             </a:r>
           </a:p>
           <a:p>
             <a:pPr lvl="3"/>
             <a:r>
-              <a:rPr lang="en-US" smtClean="0"/>
+              <a:rPr lang="en-US"/>
               <a:t>Fourth level</a:t>
             </a:r>
           </a:p>
           <a:p>
             <a:pPr lvl="4"/>
             <a:r>
-              <a:rPr lang="en-US" smtClean="0"/>
+              <a:rPr lang="en-US"/>
               <a:t>Fifth level</a:t>
             </a:r>
-            <a:endParaRPr lang="en-US"/>
           </a:p>
         </p:txBody>
       </p:sp>
@@ -420,7 +419,7 @@
           <a:p>
             <a:fld id="{5B3AD1D6-AE87-C841-B3FD-7C9F7FCAE5AE}" type="datetimeFigureOut">
               <a:rPr lang="en-US" smtClean="0"/>
-              <a:t>12/16/19</a:t>
+              <a:t>12/20/19</a:t>
             </a:fld>
             <a:endParaRPr lang="en-US"/>
           </a:p>
@@ -519,10 +518,9 @@
           <a:lstStyle/>
           <a:p>
             <a:r>
-              <a:rPr lang="en-US" smtClean="0"/>
+              <a:rPr lang="en-US"/>
               <a:t>Click to edit Master title style</a:t>
             </a:r>
-            <a:endParaRPr lang="en-US"/>
           </a:p>
         </p:txBody>
       </p:sp>
@@ -548,38 +546,37 @@
           <a:p>
             <a:pPr lvl="0"/>
             <a:r>
-              <a:rPr lang="en-US" smtClean="0"/>
+              <a:rPr lang="en-US"/>
               <a:t>Click to edit Master text styles</a:t>
             </a:r>
           </a:p>
           <a:p>
             <a:pPr lvl="1"/>
             <a:r>
-              <a:rPr lang="en-US" smtClean="0"/>
+              <a:rPr lang="en-US"/>
               <a:t>Second level</a:t>
             </a:r>
           </a:p>
           <a:p>
             <a:pPr lvl="2"/>
             <a:r>
-              <a:rPr lang="en-US" smtClean="0"/>
+              <a:rPr lang="en-US"/>
               <a:t>Third level</a:t>
             </a:r>
           </a:p>
           <a:p>
             <a:pPr lvl="3"/>
             <a:r>
-              <a:rPr lang="en-US" smtClean="0"/>
+              <a:rPr lang="en-US"/>
               <a:t>Fourth level</a:t>
             </a:r>
           </a:p>
           <a:p>
             <a:pPr lvl="4"/>
             <a:r>
-              <a:rPr lang="en-US" smtClean="0"/>
+              <a:rPr lang="en-US"/>
               <a:t>Fifth level</a:t>
             </a:r>
-            <a:endParaRPr lang="en-US"/>
           </a:p>
         </p:txBody>
       </p:sp>
@@ -600,7 +597,7 @@
           <a:p>
             <a:fld id="{5B3AD1D6-AE87-C841-B3FD-7C9F7FCAE5AE}" type="datetimeFigureOut">
               <a:rPr lang="en-US" smtClean="0"/>
-              <a:t>12/16/19</a:t>
+              <a:t>12/20/19</a:t>
             </a:fld>
             <a:endParaRPr lang="en-US"/>
           </a:p>
@@ -694,10 +691,9 @@
           <a:lstStyle/>
           <a:p>
             <a:r>
-              <a:rPr lang="en-US" smtClean="0"/>
+              <a:rPr lang="en-US"/>
               <a:t>Click to edit Master title style</a:t>
             </a:r>
-            <a:endParaRPr lang="en-US"/>
           </a:p>
         </p:txBody>
       </p:sp>
@@ -718,38 +714,37 @@
           <a:p>
             <a:pPr lvl="0"/>
             <a:r>
-              <a:rPr lang="en-US" smtClean="0"/>
+              <a:rPr lang="en-US"/>
               <a:t>Click to edit Master text styles</a:t>
             </a:r>
           </a:p>
           <a:p>
             <a:pPr lvl="1"/>
             <a:r>
-              <a:rPr lang="en-US" smtClean="0"/>
+              <a:rPr lang="en-US"/>
               <a:t>Second level</a:t>
             </a:r>
           </a:p>
           <a:p>
             <a:pPr lvl="2"/>
             <a:r>
-              <a:rPr lang="en-US" smtClean="0"/>
+              <a:rPr lang="en-US"/>
               <a:t>Third level</a:t>
             </a:r>
           </a:p>
           <a:p>
             <a:pPr lvl="3"/>
             <a:r>
-              <a:rPr lang="en-US" smtClean="0"/>
+              <a:rPr lang="en-US"/>
               <a:t>Fourth level</a:t>
             </a:r>
           </a:p>
           <a:p>
             <a:pPr lvl="4"/>
             <a:r>
-              <a:rPr lang="en-US" smtClean="0"/>
+              <a:rPr lang="en-US"/>
               <a:t>Fifth level</a:t>
             </a:r>
-            <a:endParaRPr lang="en-US"/>
           </a:p>
         </p:txBody>
       </p:sp>
@@ -770,7 +765,7 @@
           <a:p>
             <a:fld id="{5B3AD1D6-AE87-C841-B3FD-7C9F7FCAE5AE}" type="datetimeFigureOut">
               <a:rPr lang="en-US" smtClean="0"/>
-              <a:t>12/16/19</a:t>
+              <a:t>12/20/19</a:t>
             </a:fld>
             <a:endParaRPr lang="en-US"/>
           </a:p>
@@ -873,10 +868,9 @@
           </a:lstStyle>
           <a:p>
             <a:r>
-              <a:rPr lang="en-US" smtClean="0"/>
+              <a:rPr lang="en-US"/>
               <a:t>Click to edit Master title style</a:t>
             </a:r>
-            <a:endParaRPr lang="en-US"/>
           </a:p>
         </p:txBody>
       </p:sp>
@@ -993,7 +987,7 @@
           <a:p>
             <a:pPr lvl="0"/>
             <a:r>
-              <a:rPr lang="en-US" smtClean="0"/>
+              <a:rPr lang="en-US"/>
               <a:t>Click to edit Master text styles</a:t>
             </a:r>
           </a:p>
@@ -1016,7 +1010,7 @@
           <a:p>
             <a:fld id="{5B3AD1D6-AE87-C841-B3FD-7C9F7FCAE5AE}" type="datetimeFigureOut">
               <a:rPr lang="en-US" smtClean="0"/>
-              <a:t>12/16/19</a:t>
+              <a:t>12/20/19</a:t>
             </a:fld>
             <a:endParaRPr lang="en-US"/>
           </a:p>
@@ -1110,10 +1104,9 @@
           <a:lstStyle/>
           <a:p>
             <a:r>
-              <a:rPr lang="en-US" smtClean="0"/>
+              <a:rPr lang="en-US"/>
               <a:t>Click to edit Master title style</a:t>
             </a:r>
-            <a:endParaRPr lang="en-US"/>
           </a:p>
         </p:txBody>
       </p:sp>
@@ -1139,38 +1132,37 @@
           <a:p>
             <a:pPr lvl="0"/>
             <a:r>
-              <a:rPr lang="en-US" smtClean="0"/>
+              <a:rPr lang="en-US"/>
               <a:t>Click to edit Master text styles</a:t>
             </a:r>
           </a:p>
           <a:p>
             <a:pPr lvl="1"/>
             <a:r>
-              <a:rPr lang="en-US" smtClean="0"/>
+              <a:rPr lang="en-US"/>
               <a:t>Second level</a:t>
             </a:r>
           </a:p>
           <a:p>
             <a:pPr lvl="2"/>
             <a:r>
-              <a:rPr lang="en-US" smtClean="0"/>
+              <a:rPr lang="en-US"/>
               <a:t>Third level</a:t>
             </a:r>
           </a:p>
           <a:p>
             <a:pPr lvl="3"/>
             <a:r>
-              <a:rPr lang="en-US" smtClean="0"/>
+              <a:rPr lang="en-US"/>
               <a:t>Fourth level</a:t>
             </a:r>
           </a:p>
           <a:p>
             <a:pPr lvl="4"/>
             <a:r>
-              <a:rPr lang="en-US" smtClean="0"/>
+              <a:rPr lang="en-US"/>
               <a:t>Fifth level</a:t>
             </a:r>
-            <a:endParaRPr lang="en-US"/>
           </a:p>
         </p:txBody>
       </p:sp>
@@ -1196,38 +1188,37 @@
           <a:p>
             <a:pPr lvl="0"/>
             <a:r>
-              <a:rPr lang="en-US" smtClean="0"/>
+              <a:rPr lang="en-US"/>
               <a:t>Click to edit Master text styles</a:t>
             </a:r>
           </a:p>
           <a:p>
             <a:pPr lvl="1"/>
             <a:r>
-              <a:rPr lang="en-US" smtClean="0"/>
+              <a:rPr lang="en-US"/>
               <a:t>Second level</a:t>
             </a:r>
           </a:p>
           <a:p>
             <a:pPr lvl="2"/>
             <a:r>
-              <a:rPr lang="en-US" smtClean="0"/>
+              <a:rPr lang="en-US"/>
               <a:t>Third level</a:t>
             </a:r>
           </a:p>
           <a:p>
             <a:pPr lvl="3"/>
             <a:r>
-              <a:rPr lang="en-US" smtClean="0"/>
+              <a:rPr lang="en-US"/>
               <a:t>Fourth level</a:t>
             </a:r>
           </a:p>
           <a:p>
             <a:pPr lvl="4"/>
             <a:r>
-              <a:rPr lang="en-US" smtClean="0"/>
+              <a:rPr lang="en-US"/>
               <a:t>Fifth level</a:t>
             </a:r>
-            <a:endParaRPr lang="en-US"/>
           </a:p>
         </p:txBody>
       </p:sp>
@@ -1248,7 +1239,7 @@
           <a:p>
             <a:fld id="{5B3AD1D6-AE87-C841-B3FD-7C9F7FCAE5AE}" type="datetimeFigureOut">
               <a:rPr lang="en-US" smtClean="0"/>
-              <a:t>12/16/19</a:t>
+              <a:t>12/20/19</a:t>
             </a:fld>
             <a:endParaRPr lang="en-US"/>
           </a:p>
@@ -1347,10 +1338,9 @@
           <a:lstStyle/>
           <a:p>
             <a:r>
-              <a:rPr lang="en-US" smtClean="0"/>
+              <a:rPr lang="en-US"/>
               <a:t>Click to edit Master title style</a:t>
             </a:r>
-            <a:endParaRPr lang="en-US"/>
           </a:p>
         </p:txBody>
       </p:sp>
@@ -1413,7 +1403,7 @@
           <a:p>
             <a:pPr lvl="0"/>
             <a:r>
-              <a:rPr lang="en-US" smtClean="0"/>
+              <a:rPr lang="en-US"/>
               <a:t>Click to edit Master text styles</a:t>
             </a:r>
           </a:p>
@@ -1441,38 +1431,37 @@
           <a:p>
             <a:pPr lvl="0"/>
             <a:r>
-              <a:rPr lang="en-US" smtClean="0"/>
+              <a:rPr lang="en-US"/>
               <a:t>Click to edit Master text styles</a:t>
             </a:r>
           </a:p>
           <a:p>
             <a:pPr lvl="1"/>
             <a:r>
-              <a:rPr lang="en-US" smtClean="0"/>
+              <a:rPr lang="en-US"/>
               <a:t>Second level</a:t>
             </a:r>
           </a:p>
           <a:p>
             <a:pPr lvl="2"/>
             <a:r>
-              <a:rPr lang="en-US" smtClean="0"/>
+              <a:rPr lang="en-US"/>
               <a:t>Third level</a:t>
             </a:r>
           </a:p>
           <a:p>
             <a:pPr lvl="3"/>
             <a:r>
-              <a:rPr lang="en-US" smtClean="0"/>
+              <a:rPr lang="en-US"/>
               <a:t>Fourth level</a:t>
             </a:r>
           </a:p>
           <a:p>
             <a:pPr lvl="4"/>
             <a:r>
-              <a:rPr lang="en-US" smtClean="0"/>
+              <a:rPr lang="en-US"/>
               <a:t>Fifth level</a:t>
             </a:r>
-            <a:endParaRPr lang="en-US"/>
           </a:p>
         </p:txBody>
       </p:sp>
@@ -1535,7 +1524,7 @@
           <a:p>
             <a:pPr lvl="0"/>
             <a:r>
-              <a:rPr lang="en-US" smtClean="0"/>
+              <a:rPr lang="en-US"/>
               <a:t>Click to edit Master text styles</a:t>
             </a:r>
           </a:p>
@@ -1563,38 +1552,37 @@
           <a:p>
             <a:pPr lvl="0"/>
             <a:r>
-              <a:rPr lang="en-US" smtClean="0"/>
+              <a:rPr lang="en-US"/>
               <a:t>Click to edit Master text styles</a:t>
             </a:r>
           </a:p>
           <a:p>
             <a:pPr lvl="1"/>
             <a:r>
-              <a:rPr lang="en-US" smtClean="0"/>
+              <a:rPr lang="en-US"/>
               <a:t>Second level</a:t>
             </a:r>
           </a:p>
           <a:p>
             <a:pPr lvl="2"/>
             <a:r>
-              <a:rPr lang="en-US" smtClean="0"/>
+              <a:rPr lang="en-US"/>
               <a:t>Third level</a:t>
             </a:r>
           </a:p>
           <a:p>
             <a:pPr lvl="3"/>
             <a:r>
-              <a:rPr lang="en-US" smtClean="0"/>
+              <a:rPr lang="en-US"/>
               <a:t>Fourth level</a:t>
             </a:r>
           </a:p>
           <a:p>
             <a:pPr lvl="4"/>
             <a:r>
-              <a:rPr lang="en-US" smtClean="0"/>
+              <a:rPr lang="en-US"/>
               <a:t>Fifth level</a:t>
             </a:r>
-            <a:endParaRPr lang="en-US"/>
           </a:p>
         </p:txBody>
       </p:sp>
@@ -1615,7 +1603,7 @@
           <a:p>
             <a:fld id="{5B3AD1D6-AE87-C841-B3FD-7C9F7FCAE5AE}" type="datetimeFigureOut">
               <a:rPr lang="en-US" smtClean="0"/>
-              <a:t>12/16/19</a:t>
+              <a:t>12/20/19</a:t>
             </a:fld>
             <a:endParaRPr lang="en-US"/>
           </a:p>
@@ -1709,10 +1697,9 @@
           <a:lstStyle/>
           <a:p>
             <a:r>
-              <a:rPr lang="en-US" smtClean="0"/>
+              <a:rPr lang="en-US"/>
               <a:t>Click to edit Master title style</a:t>
             </a:r>
-            <a:endParaRPr lang="en-US"/>
           </a:p>
         </p:txBody>
       </p:sp>
@@ -1733,7 +1720,7 @@
           <a:p>
             <a:fld id="{5B3AD1D6-AE87-C841-B3FD-7C9F7FCAE5AE}" type="datetimeFigureOut">
               <a:rPr lang="en-US" smtClean="0"/>
-              <a:t>12/16/19</a:t>
+              <a:t>12/20/19</a:t>
             </a:fld>
             <a:endParaRPr lang="en-US"/>
           </a:p>
@@ -1828,7 +1815,7 @@
           <a:p>
             <a:fld id="{5B3AD1D6-AE87-C841-B3FD-7C9F7FCAE5AE}" type="datetimeFigureOut">
               <a:rPr lang="en-US" smtClean="0"/>
-              <a:t>12/16/19</a:t>
+              <a:t>12/20/19</a:t>
             </a:fld>
             <a:endParaRPr lang="en-US"/>
           </a:p>
@@ -1931,10 +1918,9 @@
           </a:lstStyle>
           <a:p>
             <a:r>
-              <a:rPr lang="en-US" smtClean="0"/>
+              <a:rPr lang="en-US"/>
               <a:t>Click to edit Master title style</a:t>
             </a:r>
-            <a:endParaRPr lang="en-US"/>
           </a:p>
         </p:txBody>
       </p:sp>
@@ -1988,38 +1974,37 @@
           <a:p>
             <a:pPr lvl="0"/>
             <a:r>
-              <a:rPr lang="en-US" smtClean="0"/>
+              <a:rPr lang="en-US"/>
               <a:t>Click to edit Master text styles</a:t>
             </a:r>
           </a:p>
           <a:p>
             <a:pPr lvl="1"/>
             <a:r>
-              <a:rPr lang="en-US" smtClean="0"/>
+              <a:rPr lang="en-US"/>
               <a:t>Second level</a:t>
             </a:r>
           </a:p>
           <a:p>
             <a:pPr lvl="2"/>
             <a:r>
-              <a:rPr lang="en-US" smtClean="0"/>
+              <a:rPr lang="en-US"/>
               <a:t>Third level</a:t>
             </a:r>
           </a:p>
           <a:p>
             <a:pPr lvl="3"/>
             <a:r>
-              <a:rPr lang="en-US" smtClean="0"/>
+              <a:rPr lang="en-US"/>
               <a:t>Fourth level</a:t>
             </a:r>
           </a:p>
           <a:p>
             <a:pPr lvl="4"/>
             <a:r>
-              <a:rPr lang="en-US" smtClean="0"/>
+              <a:rPr lang="en-US"/>
               <a:t>Fifth level</a:t>
             </a:r>
-            <a:endParaRPr lang="en-US"/>
           </a:p>
         </p:txBody>
       </p:sp>
@@ -2082,7 +2067,7 @@
           <a:p>
             <a:pPr lvl="0"/>
             <a:r>
-              <a:rPr lang="en-US" smtClean="0"/>
+              <a:rPr lang="en-US"/>
               <a:t>Click to edit Master text styles</a:t>
             </a:r>
           </a:p>
@@ -2105,7 +2090,7 @@
           <a:p>
             <a:fld id="{5B3AD1D6-AE87-C841-B3FD-7C9F7FCAE5AE}" type="datetimeFigureOut">
               <a:rPr lang="en-US" smtClean="0"/>
-              <a:t>12/16/19</a:t>
+              <a:t>12/20/19</a:t>
             </a:fld>
             <a:endParaRPr lang="en-US"/>
           </a:p>
@@ -2208,10 +2193,9 @@
           </a:lstStyle>
           <a:p>
             <a:r>
-              <a:rPr lang="en-US" smtClean="0"/>
+              <a:rPr lang="en-US"/>
               <a:t>Click to edit Master title style</a:t>
             </a:r>
-            <a:endParaRPr lang="en-US"/>
           </a:p>
         </p:txBody>
       </p:sp>
@@ -2335,7 +2319,7 @@
           <a:p>
             <a:pPr lvl="0"/>
             <a:r>
-              <a:rPr lang="en-US" smtClean="0"/>
+              <a:rPr lang="en-US"/>
               <a:t>Click to edit Master text styles</a:t>
             </a:r>
           </a:p>
@@ -2358,7 +2342,7 @@
           <a:p>
             <a:fld id="{5B3AD1D6-AE87-C841-B3FD-7C9F7FCAE5AE}" type="datetimeFigureOut">
               <a:rPr lang="en-US" smtClean="0"/>
-              <a:t>12/16/19</a:t>
+              <a:t>12/20/19</a:t>
             </a:fld>
             <a:endParaRPr lang="en-US"/>
           </a:p>
@@ -2467,10 +2451,9 @@
           <a:lstStyle/>
           <a:p>
             <a:r>
-              <a:rPr lang="en-US" smtClean="0"/>
+              <a:rPr lang="en-US"/>
               <a:t>Click to edit Master title style</a:t>
             </a:r>
-            <a:endParaRPr lang="en-US"/>
           </a:p>
         </p:txBody>
       </p:sp>
@@ -2501,38 +2484,37 @@
           <a:p>
             <a:pPr lvl="0"/>
             <a:r>
-              <a:rPr lang="en-US" smtClean="0"/>
+              <a:rPr lang="en-US"/>
               <a:t>Click to edit Master text styles</a:t>
             </a:r>
           </a:p>
           <a:p>
             <a:pPr lvl="1"/>
             <a:r>
-              <a:rPr lang="en-US" smtClean="0"/>
+              <a:rPr lang="en-US"/>
               <a:t>Second level</a:t>
             </a:r>
           </a:p>
           <a:p>
             <a:pPr lvl="2"/>
             <a:r>
-              <a:rPr lang="en-US" smtClean="0"/>
+              <a:rPr lang="en-US"/>
               <a:t>Third level</a:t>
             </a:r>
           </a:p>
           <a:p>
             <a:pPr lvl="3"/>
             <a:r>
-              <a:rPr lang="en-US" smtClean="0"/>
+              <a:rPr lang="en-US"/>
               <a:t>Fourth level</a:t>
             </a:r>
           </a:p>
           <a:p>
             <a:pPr lvl="4"/>
             <a:r>
-              <a:rPr lang="en-US" smtClean="0"/>
+              <a:rPr lang="en-US"/>
               <a:t>Fifth level</a:t>
             </a:r>
-            <a:endParaRPr lang="en-US"/>
           </a:p>
         </p:txBody>
       </p:sp>
@@ -2571,7 +2553,7 @@
           <a:p>
             <a:fld id="{5B3AD1D6-AE87-C841-B3FD-7C9F7FCAE5AE}" type="datetimeFigureOut">
               <a:rPr lang="en-US" smtClean="0"/>
-              <a:t>12/16/19</a:t>
+              <a:t>12/20/19</a:t>
             </a:fld>
             <a:endParaRPr lang="en-US"/>
           </a:p>
@@ -2998,29 +2980,6 @@
           </a:bodyPr>
           <a:lstStyle/>
           <a:p>
-            <a:r>
-              <a:rPr lang="en-US" sz="4000" dirty="0" smtClean="0">
-                <a:latin typeface="Arial Black" charset="0"/>
-                <a:ea typeface="Arial Black" charset="0"/>
-                <a:cs typeface="Arial Black" charset="0"/>
-              </a:rPr>
-              <a:t/>
-            </a:r>
-            <a:br>
-              <a:rPr lang="en-US" sz="4000" dirty="0" smtClean="0">
-                <a:latin typeface="Arial Black" charset="0"/>
-                <a:ea typeface="Arial Black" charset="0"/>
-                <a:cs typeface="Arial Black" charset="0"/>
-              </a:rPr>
-            </a:br>
-            <a:r>
-              <a:rPr lang="en-US" sz="4000" dirty="0">
-                <a:latin typeface="Arial Black" charset="0"/>
-                <a:ea typeface="Arial Black" charset="0"/>
-                <a:cs typeface="Arial Black" charset="0"/>
-              </a:rPr>
-              <a:t/>
-            </a:r>
             <a:br>
               <a:rPr lang="en-US" sz="4000" dirty="0">
                 <a:latin typeface="Arial Black" charset="0"/>
@@ -3028,29 +2987,6 @@
                 <a:cs typeface="Arial Black" charset="0"/>
               </a:rPr>
             </a:br>
-            <a:r>
-              <a:rPr lang="en-US" sz="4000" dirty="0" smtClean="0">
-                <a:latin typeface="Arial Black" charset="0"/>
-                <a:ea typeface="Arial Black" charset="0"/>
-                <a:cs typeface="Arial Black" charset="0"/>
-              </a:rPr>
-              <a:t/>
-            </a:r>
-            <a:br>
-              <a:rPr lang="en-US" sz="4000" dirty="0" smtClean="0">
-                <a:latin typeface="Arial Black" charset="0"/>
-                <a:ea typeface="Arial Black" charset="0"/>
-                <a:cs typeface="Arial Black" charset="0"/>
-              </a:rPr>
-            </a:br>
-            <a:r>
-              <a:rPr lang="en-US" sz="4000" dirty="0">
-                <a:latin typeface="Arial Black" charset="0"/>
-                <a:ea typeface="Arial Black" charset="0"/>
-                <a:cs typeface="Arial Black" charset="0"/>
-              </a:rPr>
-              <a:t/>
-            </a:r>
             <a:br>
               <a:rPr lang="en-US" sz="4000" dirty="0">
                 <a:latin typeface="Arial Black" charset="0"/>
@@ -3058,29 +2994,6 @@
                 <a:cs typeface="Arial Black" charset="0"/>
               </a:rPr>
             </a:br>
-            <a:r>
-              <a:rPr lang="en-US" sz="4000" dirty="0" smtClean="0">
-                <a:latin typeface="Arial Black" charset="0"/>
-                <a:ea typeface="Arial Black" charset="0"/>
-                <a:cs typeface="Arial Black" charset="0"/>
-              </a:rPr>
-              <a:t/>
-            </a:r>
-            <a:br>
-              <a:rPr lang="en-US" sz="4000" dirty="0" smtClean="0">
-                <a:latin typeface="Arial Black" charset="0"/>
-                <a:ea typeface="Arial Black" charset="0"/>
-                <a:cs typeface="Arial Black" charset="0"/>
-              </a:rPr>
-            </a:br>
-            <a:r>
-              <a:rPr lang="en-US" sz="4000" dirty="0">
-                <a:latin typeface="Arial Black" charset="0"/>
-                <a:ea typeface="Arial Black" charset="0"/>
-                <a:cs typeface="Arial Black" charset="0"/>
-              </a:rPr>
-              <a:t/>
-            </a:r>
             <a:br>
               <a:rPr lang="en-US" sz="4000" dirty="0">
                 <a:latin typeface="Arial Black" charset="0"/>
@@ -3088,29 +3001,6 @@
                 <a:cs typeface="Arial Black" charset="0"/>
               </a:rPr>
             </a:br>
-            <a:r>
-              <a:rPr lang="en-US" sz="4000" dirty="0" smtClean="0">
-                <a:latin typeface="Arial Black" charset="0"/>
-                <a:ea typeface="Arial Black" charset="0"/>
-                <a:cs typeface="Arial Black" charset="0"/>
-              </a:rPr>
-              <a:t/>
-            </a:r>
-            <a:br>
-              <a:rPr lang="en-US" sz="4000" dirty="0" smtClean="0">
-                <a:latin typeface="Arial Black" charset="0"/>
-                <a:ea typeface="Arial Black" charset="0"/>
-                <a:cs typeface="Arial Black" charset="0"/>
-              </a:rPr>
-            </a:br>
-            <a:r>
-              <a:rPr lang="en-US" sz="4000" dirty="0">
-                <a:latin typeface="Arial Black" charset="0"/>
-                <a:ea typeface="Arial Black" charset="0"/>
-                <a:cs typeface="Arial Black" charset="0"/>
-              </a:rPr>
-              <a:t/>
-            </a:r>
             <a:br>
               <a:rPr lang="en-US" sz="4000" dirty="0">
                 <a:latin typeface="Arial Black" charset="0"/>
@@ -3118,29 +3008,6 @@
                 <a:cs typeface="Arial Black" charset="0"/>
               </a:rPr>
             </a:br>
-            <a:r>
-              <a:rPr lang="en-US" sz="4000" dirty="0" smtClean="0">
-                <a:latin typeface="Arial Black" charset="0"/>
-                <a:ea typeface="Arial Black" charset="0"/>
-                <a:cs typeface="Arial Black" charset="0"/>
-              </a:rPr>
-              <a:t/>
-            </a:r>
-            <a:br>
-              <a:rPr lang="en-US" sz="4000" dirty="0" smtClean="0">
-                <a:latin typeface="Arial Black" charset="0"/>
-                <a:ea typeface="Arial Black" charset="0"/>
-                <a:cs typeface="Arial Black" charset="0"/>
-              </a:rPr>
-            </a:br>
-            <a:r>
-              <a:rPr lang="en-US" sz="4000" dirty="0">
-                <a:latin typeface="Arial Black" charset="0"/>
-                <a:ea typeface="Arial Black" charset="0"/>
-                <a:cs typeface="Arial Black" charset="0"/>
-              </a:rPr>
-              <a:t/>
-            </a:r>
             <a:br>
               <a:rPr lang="en-US" sz="4000" dirty="0">
                 <a:latin typeface="Arial Black" charset="0"/>
@@ -3148,23 +3015,50 @@
                 <a:cs typeface="Arial Black" charset="0"/>
               </a:rPr>
             </a:br>
-            <a:r>
-              <a:rPr lang="en-US" sz="4000" dirty="0" smtClean="0">
-                <a:latin typeface="Arial Black" charset="0"/>
-                <a:ea typeface="Arial Black" charset="0"/>
-                <a:cs typeface="Arial Black" charset="0"/>
-              </a:rPr>
-              <a:t/>
-            </a:r>
             <a:br>
-              <a:rPr lang="en-US" sz="4000" dirty="0" smtClean="0">
+              <a:rPr lang="en-US" sz="4000" dirty="0">
                 <a:latin typeface="Arial Black" charset="0"/>
                 <a:ea typeface="Arial Black" charset="0"/>
                 <a:cs typeface="Arial Black" charset="0"/>
               </a:rPr>
             </a:br>
-            <a:r>
-              <a:rPr lang="en-US" sz="6700" dirty="0" smtClean="0">
+            <a:br>
+              <a:rPr lang="en-US" sz="4000" dirty="0">
+                <a:latin typeface="Arial Black" charset="0"/>
+                <a:ea typeface="Arial Black" charset="0"/>
+                <a:cs typeface="Arial Black" charset="0"/>
+              </a:rPr>
+            </a:br>
+            <a:br>
+              <a:rPr lang="en-US" sz="4000" dirty="0">
+                <a:latin typeface="Arial Black" charset="0"/>
+                <a:ea typeface="Arial Black" charset="0"/>
+                <a:cs typeface="Arial Black" charset="0"/>
+              </a:rPr>
+            </a:br>
+            <a:br>
+              <a:rPr lang="en-US" sz="4000" dirty="0">
+                <a:latin typeface="Arial Black" charset="0"/>
+                <a:ea typeface="Arial Black" charset="0"/>
+                <a:cs typeface="Arial Black" charset="0"/>
+              </a:rPr>
+            </a:br>
+            <a:br>
+              <a:rPr lang="en-US" sz="4000" dirty="0">
+                <a:latin typeface="Arial Black" charset="0"/>
+                <a:ea typeface="Arial Black" charset="0"/>
+                <a:cs typeface="Arial Black" charset="0"/>
+              </a:rPr>
+            </a:br>
+            <a:br>
+              <a:rPr lang="en-US" sz="4000" dirty="0">
+                <a:latin typeface="Arial Black" charset="0"/>
+                <a:ea typeface="Arial Black" charset="0"/>
+                <a:cs typeface="Arial Black" charset="0"/>
+              </a:rPr>
+            </a:br>
+            <a:r>
+              <a:rPr lang="en-US" sz="6700" dirty="0">
                 <a:latin typeface="Arial Black" charset="0"/>
                 <a:ea typeface="Arial Black" charset="0"/>
                 <a:cs typeface="Arial Black" charset="0"/>
@@ -3172,14 +3066,14 @@
               <a:t>Problems</a:t>
             </a:r>
             <a:br>
-              <a:rPr lang="en-US" sz="6700" dirty="0" smtClean="0">
+              <a:rPr lang="en-US" sz="6700" dirty="0">
                 <a:latin typeface="Arial Black" charset="0"/>
                 <a:ea typeface="Arial Black" charset="0"/>
                 <a:cs typeface="Arial Black" charset="0"/>
               </a:rPr>
             </a:br>
             <a:r>
-              <a:rPr lang="en-US" sz="6700" dirty="0" smtClean="0">
+              <a:rPr lang="en-US" sz="6700" dirty="0">
                 <a:latin typeface="Arial Black" charset="0"/>
                 <a:ea typeface="Arial Black" charset="0"/>
                 <a:cs typeface="Arial Black" charset="0"/>
@@ -3187,14 +3081,14 @@
               <a:t>on</a:t>
             </a:r>
             <a:br>
-              <a:rPr lang="en-US" sz="6700" dirty="0" smtClean="0">
+              <a:rPr lang="en-US" sz="6700">
                 <a:latin typeface="Arial Black" charset="0"/>
                 <a:ea typeface="Arial Black" charset="0"/>
                 <a:cs typeface="Arial Black" charset="0"/>
               </a:rPr>
             </a:br>
             <a:r>
-              <a:rPr lang="en-US" sz="6700" dirty="0" smtClean="0">
+              <a:rPr lang="en-US" sz="6700">
                 <a:latin typeface="Arial Black" charset="0"/>
                 <a:ea typeface="Arial Black" charset="0"/>
                 <a:cs typeface="Arial Black" charset="0"/>
@@ -3202,22 +3096,22 @@
               <a:t>Counting</a:t>
             </a:r>
             <a:br>
-              <a:rPr lang="en-US" sz="6700" dirty="0" smtClean="0">
+              <a:rPr lang="en-US" sz="6700">
                 <a:latin typeface="Arial Black" charset="0"/>
                 <a:ea typeface="Arial Black" charset="0"/>
                 <a:cs typeface="Arial Black" charset="0"/>
               </a:rPr>
             </a:br>
             <a:r>
-              <a:rPr lang="en-US" sz="6700" dirty="0" smtClean="0">
+              <a:rPr lang="en-US" sz="6700">
                 <a:latin typeface="Arial Black" charset="0"/>
                 <a:ea typeface="Arial Black" charset="0"/>
                 <a:cs typeface="Arial Black" charset="0"/>
               </a:rPr>
-              <a:t/>
+              <a:t>2013</a:t>
             </a:r>
             <a:br>
-              <a:rPr lang="en-US" sz="6700" dirty="0" smtClean="0">
+              <a:rPr lang="en-US" sz="6700" dirty="0">
                 <a:latin typeface="Arial Black" charset="0"/>
                 <a:ea typeface="Arial Black" charset="0"/>
                 <a:cs typeface="Arial Black" charset="0"/>
@@ -3270,262 +3164,7 @@
 </p:sld>
 </file>
 
-<file path=ppt/slides/slide2.xml><?xml version="1.0" encoding="utf-8"?>
-<p:sld xmlns:a="http://schemas.openxmlformats.org/drawingml/2006/main" xmlns:r="http://schemas.openxmlformats.org/officeDocument/2006/relationships" xmlns:p="http://schemas.openxmlformats.org/presentationml/2006/main">
-  <p:cSld>
-    <p:spTree>
-      <p:nvGrpSpPr>
-        <p:cNvPr id="1" name=""/>
-        <p:cNvGrpSpPr/>
-        <p:nvPr/>
-      </p:nvGrpSpPr>
-      <p:grpSpPr>
-        <a:xfrm>
-          <a:off x="0" y="0"/>
-          <a:ext cx="0" cy="0"/>
-          <a:chOff x="0" y="0"/>
-          <a:chExt cx="0" cy="0"/>
-        </a:xfrm>
-      </p:grpSpPr>
-      <p:sp>
-        <p:nvSpPr>
-          <p:cNvPr id="2" name="Title 1"/>
-          <p:cNvSpPr>
-            <a:spLocks noGrp="1"/>
-          </p:cNvSpPr>
-          <p:nvPr>
-            <p:ph type="title"/>
-          </p:nvPr>
-        </p:nvSpPr>
-        <p:spPr/>
-        <p:txBody>
-          <a:bodyPr>
-            <a:normAutofit/>
-          </a:bodyPr>
-          <a:lstStyle/>
-          <a:p>
-            <a:r>
-              <a:rPr lang="en-US" sz="4000" dirty="0" smtClean="0">
-                <a:latin typeface="Arial Black" charset="0"/>
-                <a:ea typeface="Arial Black" charset="0"/>
-                <a:cs typeface="Arial Black" charset="0"/>
-              </a:rPr>
-              <a:t>Reference</a:t>
-            </a:r>
-            <a:endParaRPr lang="en-US" sz="4000" dirty="0">
-              <a:latin typeface="Arial Black" charset="0"/>
-              <a:ea typeface="Arial Black" charset="0"/>
-              <a:cs typeface="Arial Black" charset="0"/>
-            </a:endParaRPr>
-          </a:p>
-        </p:txBody>
-      </p:sp>
-      <p:sp>
-        <p:nvSpPr>
-          <p:cNvPr id="3" name="Content Placeholder 2"/>
-          <p:cNvSpPr>
-            <a:spLocks noGrp="1"/>
-          </p:cNvSpPr>
-          <p:nvPr>
-            <p:ph idx="1"/>
-          </p:nvPr>
-        </p:nvSpPr>
-        <p:spPr/>
-        <p:txBody>
-          <a:bodyPr/>
-          <a:lstStyle/>
-          <a:p>
-            <a:endParaRPr lang="en-US" sz="2000" dirty="0" smtClean="0">
-              <a:latin typeface="Arial Black" charset="0"/>
-              <a:ea typeface="Arial Black" charset="0"/>
-              <a:cs typeface="Arial Black" charset="0"/>
-              <a:hlinkClick r:id="rId2"/>
-            </a:endParaRPr>
-          </a:p>
-          <a:p>
-            <a:r>
-              <a:rPr lang="en-US" sz="2000" dirty="0" smtClean="0">
-                <a:latin typeface="Arial Black" charset="0"/>
-                <a:ea typeface="Arial Black" charset="0"/>
-                <a:cs typeface="Arial Black" charset="0"/>
-                <a:hlinkClick r:id="rId3"/>
-              </a:rPr>
-              <a:t>Data</a:t>
-            </a:r>
-            <a:endParaRPr lang="en-US" sz="2000" dirty="0" smtClean="0">
-              <a:latin typeface="Arial Black" charset="0"/>
-              <a:ea typeface="Arial Black" charset="0"/>
-              <a:cs typeface="Arial Black" charset="0"/>
-            </a:endParaRPr>
-          </a:p>
-          <a:p>
-            <a:endParaRPr lang="en-US" sz="2000" dirty="0" smtClean="0">
-              <a:latin typeface="Arial Black" charset="0"/>
-              <a:ea typeface="Arial Black" charset="0"/>
-              <a:cs typeface="Arial Black" charset="0"/>
-            </a:endParaRPr>
-          </a:p>
-          <a:p>
-            <a:r>
-              <a:rPr lang="en-US" sz="2000" dirty="0" smtClean="0">
-                <a:latin typeface="Arial Black" charset="0"/>
-                <a:ea typeface="Arial Black" charset="0"/>
-                <a:cs typeface="Arial Black" charset="0"/>
-                <a:hlinkClick r:id="rId4"/>
-              </a:rPr>
-              <a:t>Youtube</a:t>
-            </a:r>
-            <a:endParaRPr lang="en-US" sz="2000" dirty="0" smtClean="0">
-              <a:latin typeface="Arial Black" charset="0"/>
-              <a:ea typeface="Arial Black" charset="0"/>
-              <a:cs typeface="Arial Black" charset="0"/>
-            </a:endParaRPr>
-          </a:p>
-          <a:p>
-            <a:endParaRPr lang="en-US" dirty="0" smtClean="0">
-              <a:latin typeface="Arial Black" charset="0"/>
-              <a:ea typeface="Arial Black" charset="0"/>
-              <a:cs typeface="Arial Black" charset="0"/>
-            </a:endParaRPr>
-          </a:p>
-          <a:p>
-            <a:r>
-              <a:rPr lang="en-US" sz="2000" dirty="0" smtClean="0">
-                <a:latin typeface="Arial Black" charset="0"/>
-                <a:ea typeface="Arial Black" charset="0"/>
-                <a:cs typeface="Arial Black" charset="0"/>
-                <a:hlinkClick r:id="rId5"/>
-              </a:rPr>
-              <a:t>Code</a:t>
-            </a:r>
-            <a:endParaRPr lang="en-US" sz="2000" dirty="0" smtClean="0">
-              <a:latin typeface="Arial Black" charset="0"/>
-              <a:ea typeface="Arial Black" charset="0"/>
-              <a:cs typeface="Arial Black" charset="0"/>
-              <a:hlinkClick r:id="rId6"/>
-            </a:endParaRPr>
-          </a:p>
-        </p:txBody>
-      </p:sp>
-    </p:spTree>
-    <p:extLst>
-      <p:ext uri="{BB962C8B-B14F-4D97-AF65-F5344CB8AC3E}">
-        <p14:creationId xmlns:p14="http://schemas.microsoft.com/office/powerpoint/2010/main" val="1160648847"/>
-      </p:ext>
-    </p:extLst>
-  </p:cSld>
-  <p:clrMapOvr>
-    <a:masterClrMapping/>
-  </p:clrMapOvr>
-  <p:timing>
-    <p:tnLst>
-      <p:par>
-        <p:cTn id="1" dur="indefinite" restart="never" nodeType="tmRoot"/>
-      </p:par>
-    </p:tnLst>
-  </p:timing>
-</p:sld>
-</file>
-
-<file path=ppt/slides/slide3.xml><?xml version="1.0" encoding="utf-8"?>
-<p:sld xmlns:a="http://schemas.openxmlformats.org/drawingml/2006/main" xmlns:r="http://schemas.openxmlformats.org/officeDocument/2006/relationships" xmlns:p="http://schemas.openxmlformats.org/presentationml/2006/main">
-  <p:cSld>
-    <p:spTree>
-      <p:nvGrpSpPr>
-        <p:cNvPr id="1" name=""/>
-        <p:cNvGrpSpPr/>
-        <p:nvPr/>
-      </p:nvGrpSpPr>
-      <p:grpSpPr>
-        <a:xfrm>
-          <a:off x="0" y="0"/>
-          <a:ext cx="0" cy="0"/>
-          <a:chOff x="0" y="0"/>
-          <a:chExt cx="0" cy="0"/>
-        </a:xfrm>
-      </p:grpSpPr>
-      <p:sp>
-        <p:nvSpPr>
-          <p:cNvPr id="3" name="TextBox 2"/>
-          <p:cNvSpPr txBox="1"/>
-          <p:nvPr/>
-        </p:nvSpPr>
-        <p:spPr>
-          <a:xfrm>
-            <a:off x="10125635" y="5970494"/>
-            <a:ext cx="1951175" cy="707886"/>
-          </a:xfrm>
-          <a:prstGeom prst="rect">
-            <a:avLst/>
-          </a:prstGeom>
-          <a:noFill/>
-        </p:spPr>
-        <p:txBody>
-          <a:bodyPr wrap="none" rtlCol="0">
-            <a:spAutoFit/>
-          </a:bodyPr>
-          <a:lstStyle/>
-          <a:p>
-            <a:r>
-              <a:rPr lang="en-US" sz="4000" dirty="0" smtClean="0">
-                <a:latin typeface="Arial Black" charset="0"/>
-                <a:ea typeface="Arial Black" charset="0"/>
-                <a:cs typeface="Arial Black" charset="0"/>
-              </a:rPr>
-              <a:t>[2013]</a:t>
-            </a:r>
-            <a:endParaRPr lang="en-US" sz="4000" dirty="0">
-              <a:latin typeface="Arial Black" charset="0"/>
-              <a:ea typeface="Arial Black" charset="0"/>
-              <a:cs typeface="Arial Black" charset="0"/>
-            </a:endParaRPr>
-          </a:p>
-        </p:txBody>
-      </p:sp>
-      <p:pic>
-        <p:nvPicPr>
-          <p:cNvPr id="4" name="Picture 3"/>
-          <p:cNvPicPr>
-            <a:picLocks noChangeAspect="1"/>
-          </p:cNvPicPr>
-          <p:nvPr/>
-        </p:nvPicPr>
-        <p:blipFill>
-          <a:blip r:embed="rId2">
-            <a:extLst>
-              <a:ext uri="{28A0092B-C50C-407E-A947-70E740481C1C}">
-                <a14:useLocalDpi xmlns:a14="http://schemas.microsoft.com/office/drawing/2010/main" val="0"/>
-              </a:ext>
-            </a:extLst>
-          </a:blip>
-          <a:stretch>
-            <a:fillRect/>
-          </a:stretch>
-        </p:blipFill>
-        <p:spPr>
-          <a:xfrm>
-            <a:off x="1181099" y="2423160"/>
-            <a:ext cx="10248194" cy="1905000"/>
-          </a:xfrm>
-          <a:prstGeom prst="rect">
-            <a:avLst/>
-          </a:prstGeom>
-        </p:spPr>
-      </p:pic>
-    </p:spTree>
-    <p:extLst>
-      <p:ext uri="{BB962C8B-B14F-4D97-AF65-F5344CB8AC3E}">
-        <p14:creationId xmlns:p14="http://schemas.microsoft.com/office/powerpoint/2010/main" val="370017141"/>
-      </p:ext>
-    </p:extLst>
-  </p:cSld>
-  <p:clrMapOvr>
-    <a:masterClrMapping/>
-  </p:clrMapOvr>
-</p:sld>
-</file>
-
-<file path=ppt/slides/slide4.xml><?xml version="1.0" encoding="utf-8"?>
+<file path=ppt/slides/slide10.xml><?xml version="1.0" encoding="utf-8"?>
 <p:sld xmlns:a="http://schemas.openxmlformats.org/drawingml/2006/main" xmlns:r="http://schemas.openxmlformats.org/officeDocument/2006/relationships" xmlns:p="http://schemas.openxmlformats.org/presentationml/2006/main">
   <p:cSld>
     <p:spTree>
@@ -3544,28 +3183,58 @@
       </p:grpSpPr>
       <p:pic>
         <p:nvPicPr>
-          <p:cNvPr id="2" name="Picture 1"/>
+          <p:cNvPr id="4" name="Picture 3" descr="A close up of a clock&#10;&#10;Description automatically generated">
+            <a:extLst>
+              <a:ext uri="{FF2B5EF4-FFF2-40B4-BE49-F238E27FC236}">
+                <a16:creationId xmlns:a16="http://schemas.microsoft.com/office/drawing/2014/main" id="{36C70B64-E96D-8D4D-B9AA-16E380F3C697}"/>
+              </a:ext>
+            </a:extLst>
+          </p:cNvPr>
           <p:cNvPicPr>
             <a:picLocks noChangeAspect="1"/>
           </p:cNvPicPr>
           <p:nvPr/>
         </p:nvPicPr>
         <p:blipFill>
-          <a:blip r:embed="rId2">
-            <a:extLst>
-              <a:ext uri="{28A0092B-C50C-407E-A947-70E740481C1C}">
-                <a14:useLocalDpi xmlns:a14="http://schemas.microsoft.com/office/drawing/2010/main" val="0"/>
-              </a:ext>
-            </a:extLst>
-          </a:blip>
+          <a:blip r:embed="rId2"/>
           <a:stretch>
             <a:fillRect/>
           </a:stretch>
         </p:blipFill>
         <p:spPr>
           <a:xfrm>
-            <a:off x="533400" y="266700"/>
-            <a:ext cx="2730500" cy="6248400"/>
+            <a:off x="1248954" y="889686"/>
+            <a:ext cx="10024588" cy="5387546"/>
+          </a:xfrm>
+          <a:prstGeom prst="rect">
+            <a:avLst/>
+          </a:prstGeom>
+        </p:spPr>
+      </p:pic>
+      <p:pic>
+        <p:nvPicPr>
+          <p:cNvPr id="5" name="Picture 4">
+            <a:extLst>
+              <a:ext uri="{FF2B5EF4-FFF2-40B4-BE49-F238E27FC236}">
+                <a16:creationId xmlns:a16="http://schemas.microsoft.com/office/drawing/2014/main" id="{80320B5A-6C8D-6741-B1D4-6D879BD00528}"/>
+              </a:ext>
+            </a:extLst>
+          </p:cNvPr>
+          <p:cNvPicPr>
+            <a:picLocks noChangeAspect="1"/>
+          </p:cNvPicPr>
+          <p:nvPr/>
+        </p:nvPicPr>
+        <p:blipFill>
+          <a:blip r:embed="rId3"/>
+          <a:stretch>
+            <a:fillRect/>
+          </a:stretch>
+        </p:blipFill>
+        <p:spPr>
+          <a:xfrm>
+            <a:off x="0" y="0"/>
+            <a:ext cx="12192000" cy="6858000"/>
           </a:xfrm>
           <a:prstGeom prst="rect">
             <a:avLst/>
@@ -3575,7 +3244,7 @@
     </p:spTree>
     <p:extLst>
       <p:ext uri="{BB962C8B-B14F-4D97-AF65-F5344CB8AC3E}">
-        <p14:creationId xmlns:p14="http://schemas.microsoft.com/office/powerpoint/2010/main" val="1486962172"/>
+        <p14:creationId xmlns:p14="http://schemas.microsoft.com/office/powerpoint/2010/main" val="2137555137"/>
       </p:ext>
     </p:extLst>
   </p:cSld>
@@ -3585,337 +3254,7 @@
 </p:sld>
 </file>
 
-<file path=ppt/slides/slide5.xml><?xml version="1.0" encoding="utf-8"?>
-<p:sld xmlns:a="http://schemas.openxmlformats.org/drawingml/2006/main" xmlns:r="http://schemas.openxmlformats.org/officeDocument/2006/relationships" xmlns:p="http://schemas.openxmlformats.org/presentationml/2006/main">
-  <p:cSld>
-    <p:spTree>
-      <p:nvGrpSpPr>
-        <p:cNvPr id="1" name=""/>
-        <p:cNvGrpSpPr/>
-        <p:nvPr/>
-      </p:nvGrpSpPr>
-      <p:grpSpPr>
-        <a:xfrm>
-          <a:off x="0" y="0"/>
-          <a:ext cx="0" cy="0"/>
-          <a:chOff x="0" y="0"/>
-          <a:chExt cx="0" cy="0"/>
-        </a:xfrm>
-      </p:grpSpPr>
-      <p:pic>
-        <p:nvPicPr>
-          <p:cNvPr id="2" name="Picture 1"/>
-          <p:cNvPicPr>
-            <a:picLocks noChangeAspect="1"/>
-          </p:cNvPicPr>
-          <p:nvPr/>
-        </p:nvPicPr>
-        <p:blipFill>
-          <a:blip r:embed="rId2">
-            <a:extLst>
-              <a:ext uri="{28A0092B-C50C-407E-A947-70E740481C1C}">
-                <a14:useLocalDpi xmlns:a14="http://schemas.microsoft.com/office/drawing/2010/main" val="0"/>
-              </a:ext>
-            </a:extLst>
-          </a:blip>
-          <a:stretch>
-            <a:fillRect/>
-          </a:stretch>
-        </p:blipFill>
-        <p:spPr>
-          <a:xfrm>
-            <a:off x="533400" y="266700"/>
-            <a:ext cx="2730500" cy="6248400"/>
-          </a:xfrm>
-          <a:prstGeom prst="rect">
-            <a:avLst/>
-          </a:prstGeom>
-        </p:spPr>
-      </p:pic>
-      <p:pic>
-        <p:nvPicPr>
-          <p:cNvPr id="6" name="Picture 5"/>
-          <p:cNvPicPr>
-            <a:picLocks noChangeAspect="1"/>
-          </p:cNvPicPr>
-          <p:nvPr/>
-        </p:nvPicPr>
-        <p:blipFill>
-          <a:blip r:embed="rId3">
-            <a:extLst>
-              <a:ext uri="{28A0092B-C50C-407E-A947-70E740481C1C}">
-                <a14:useLocalDpi xmlns:a14="http://schemas.microsoft.com/office/drawing/2010/main" val="0"/>
-              </a:ext>
-            </a:extLst>
-          </a:blip>
-          <a:stretch>
-            <a:fillRect/>
-          </a:stretch>
-        </p:blipFill>
-        <p:spPr>
-          <a:xfrm>
-            <a:off x="4780280" y="266700"/>
-            <a:ext cx="2654300" cy="6311900"/>
-          </a:xfrm>
-          <a:prstGeom prst="rect">
-            <a:avLst/>
-          </a:prstGeom>
-        </p:spPr>
-      </p:pic>
-    </p:spTree>
-    <p:extLst>
-      <p:ext uri="{BB962C8B-B14F-4D97-AF65-F5344CB8AC3E}">
-        <p14:creationId xmlns:p14="http://schemas.microsoft.com/office/powerpoint/2010/main" val="293225446"/>
-      </p:ext>
-    </p:extLst>
-  </p:cSld>
-  <p:clrMapOvr>
-    <a:masterClrMapping/>
-  </p:clrMapOvr>
-</p:sld>
-</file>
-
-<file path=ppt/slides/slide6.xml><?xml version="1.0" encoding="utf-8"?>
-<p:sld xmlns:a="http://schemas.openxmlformats.org/drawingml/2006/main" xmlns:r="http://schemas.openxmlformats.org/officeDocument/2006/relationships" xmlns:p="http://schemas.openxmlformats.org/presentationml/2006/main">
-  <p:cSld>
-    <p:spTree>
-      <p:nvGrpSpPr>
-        <p:cNvPr id="1" name=""/>
-        <p:cNvGrpSpPr/>
-        <p:nvPr/>
-      </p:nvGrpSpPr>
-      <p:grpSpPr>
-        <a:xfrm>
-          <a:off x="0" y="0"/>
-          <a:ext cx="0" cy="0"/>
-          <a:chOff x="0" y="0"/>
-          <a:chExt cx="0" cy="0"/>
-        </a:xfrm>
-      </p:grpSpPr>
-      <p:pic>
-        <p:nvPicPr>
-          <p:cNvPr id="2" name="Picture 1"/>
-          <p:cNvPicPr>
-            <a:picLocks noChangeAspect="1"/>
-          </p:cNvPicPr>
-          <p:nvPr/>
-        </p:nvPicPr>
-        <p:blipFill>
-          <a:blip r:embed="rId2">
-            <a:extLst>
-              <a:ext uri="{28A0092B-C50C-407E-A947-70E740481C1C}">
-                <a14:useLocalDpi xmlns:a14="http://schemas.microsoft.com/office/drawing/2010/main" val="0"/>
-              </a:ext>
-            </a:extLst>
-          </a:blip>
-          <a:stretch>
-            <a:fillRect/>
-          </a:stretch>
-        </p:blipFill>
-        <p:spPr>
-          <a:xfrm>
-            <a:off x="533400" y="266700"/>
-            <a:ext cx="2730500" cy="6248400"/>
-          </a:xfrm>
-          <a:prstGeom prst="rect">
-            <a:avLst/>
-          </a:prstGeom>
-        </p:spPr>
-      </p:pic>
-      <p:pic>
-        <p:nvPicPr>
-          <p:cNvPr id="6" name="Picture 5"/>
-          <p:cNvPicPr>
-            <a:picLocks noChangeAspect="1"/>
-          </p:cNvPicPr>
-          <p:nvPr/>
-        </p:nvPicPr>
-        <p:blipFill>
-          <a:blip r:embed="rId3">
-            <a:extLst>
-              <a:ext uri="{28A0092B-C50C-407E-A947-70E740481C1C}">
-                <a14:useLocalDpi xmlns:a14="http://schemas.microsoft.com/office/drawing/2010/main" val="0"/>
-              </a:ext>
-            </a:extLst>
-          </a:blip>
-          <a:stretch>
-            <a:fillRect/>
-          </a:stretch>
-        </p:blipFill>
-        <p:spPr>
-          <a:xfrm>
-            <a:off x="4780280" y="266700"/>
-            <a:ext cx="2654300" cy="6311900"/>
-          </a:xfrm>
-          <a:prstGeom prst="rect">
-            <a:avLst/>
-          </a:prstGeom>
-        </p:spPr>
-      </p:pic>
-      <p:pic>
-        <p:nvPicPr>
-          <p:cNvPr id="7" name="Picture 6"/>
-          <p:cNvPicPr>
-            <a:picLocks noChangeAspect="1"/>
-          </p:cNvPicPr>
-          <p:nvPr/>
-        </p:nvPicPr>
-        <p:blipFill>
-          <a:blip r:embed="rId4">
-            <a:extLst>
-              <a:ext uri="{28A0092B-C50C-407E-A947-70E740481C1C}">
-                <a14:useLocalDpi xmlns:a14="http://schemas.microsoft.com/office/drawing/2010/main" val="0"/>
-              </a:ext>
-            </a:extLst>
-          </a:blip>
-          <a:stretch>
-            <a:fillRect/>
-          </a:stretch>
-        </p:blipFill>
-        <p:spPr>
-          <a:xfrm>
-            <a:off x="8950960" y="266700"/>
-            <a:ext cx="2641600" cy="6235700"/>
-          </a:xfrm>
-          <a:prstGeom prst="rect">
-            <a:avLst/>
-          </a:prstGeom>
-        </p:spPr>
-      </p:pic>
-    </p:spTree>
-    <p:extLst>
-      <p:ext uri="{BB962C8B-B14F-4D97-AF65-F5344CB8AC3E}">
-        <p14:creationId xmlns:p14="http://schemas.microsoft.com/office/powerpoint/2010/main" val="582100396"/>
-      </p:ext>
-    </p:extLst>
-  </p:cSld>
-  <p:clrMapOvr>
-    <a:masterClrMapping/>
-  </p:clrMapOvr>
-</p:sld>
-</file>
-
-<file path=ppt/slides/slide7.xml><?xml version="1.0" encoding="utf-8"?>
-<p:sld xmlns:a="http://schemas.openxmlformats.org/drawingml/2006/main" xmlns:r="http://schemas.openxmlformats.org/officeDocument/2006/relationships" xmlns:p="http://schemas.openxmlformats.org/presentationml/2006/main">
-  <p:cSld>
-    <p:spTree>
-      <p:nvGrpSpPr>
-        <p:cNvPr id="1" name=""/>
-        <p:cNvGrpSpPr/>
-        <p:nvPr/>
-      </p:nvGrpSpPr>
-      <p:grpSpPr>
-        <a:xfrm>
-          <a:off x="0" y="0"/>
-          <a:ext cx="0" cy="0"/>
-          <a:chOff x="0" y="0"/>
-          <a:chExt cx="0" cy="0"/>
-        </a:xfrm>
-      </p:grpSpPr>
-      <p:pic>
-        <p:nvPicPr>
-          <p:cNvPr id="2" name="Picture 1"/>
-          <p:cNvPicPr>
-            <a:picLocks noChangeAspect="1"/>
-          </p:cNvPicPr>
-          <p:nvPr/>
-        </p:nvPicPr>
-        <p:blipFill>
-          <a:blip r:embed="rId2">
-            <a:extLst>
-              <a:ext uri="{28A0092B-C50C-407E-A947-70E740481C1C}">
-                <a14:useLocalDpi xmlns:a14="http://schemas.microsoft.com/office/drawing/2010/main" val="0"/>
-              </a:ext>
-            </a:extLst>
-          </a:blip>
-          <a:stretch>
-            <a:fillRect/>
-          </a:stretch>
-        </p:blipFill>
-        <p:spPr>
-          <a:xfrm>
-            <a:off x="533400" y="266700"/>
-            <a:ext cx="2730500" cy="6248400"/>
-          </a:xfrm>
-          <a:prstGeom prst="rect">
-            <a:avLst/>
-          </a:prstGeom>
-        </p:spPr>
-      </p:pic>
-      <p:pic>
-        <p:nvPicPr>
-          <p:cNvPr id="6" name="Picture 5"/>
-          <p:cNvPicPr>
-            <a:picLocks noChangeAspect="1"/>
-          </p:cNvPicPr>
-          <p:nvPr/>
-        </p:nvPicPr>
-        <p:blipFill>
-          <a:blip r:embed="rId3">
-            <a:extLst>
-              <a:ext uri="{28A0092B-C50C-407E-A947-70E740481C1C}">
-                <a14:useLocalDpi xmlns:a14="http://schemas.microsoft.com/office/drawing/2010/main" val="0"/>
-              </a:ext>
-            </a:extLst>
-          </a:blip>
-          <a:stretch>
-            <a:fillRect/>
-          </a:stretch>
-        </p:blipFill>
-        <p:spPr>
-          <a:xfrm>
-            <a:off x="4780280" y="266700"/>
-            <a:ext cx="2654300" cy="6311900"/>
-          </a:xfrm>
-          <a:prstGeom prst="rect">
-            <a:avLst/>
-          </a:prstGeom>
-        </p:spPr>
-      </p:pic>
-      <p:pic>
-        <p:nvPicPr>
-          <p:cNvPr id="7" name="Picture 6"/>
-          <p:cNvPicPr>
-            <a:picLocks noChangeAspect="1"/>
-          </p:cNvPicPr>
-          <p:nvPr/>
-        </p:nvPicPr>
-        <p:blipFill>
-          <a:blip r:embed="rId4">
-            <a:extLst>
-              <a:ext uri="{28A0092B-C50C-407E-A947-70E740481C1C}">
-                <a14:useLocalDpi xmlns:a14="http://schemas.microsoft.com/office/drawing/2010/main" val="0"/>
-              </a:ext>
-            </a:extLst>
-          </a:blip>
-          <a:stretch>
-            <a:fillRect/>
-          </a:stretch>
-        </p:blipFill>
-        <p:spPr>
-          <a:xfrm>
-            <a:off x="8950960" y="266700"/>
-            <a:ext cx="2665024" cy="6311900"/>
-          </a:xfrm>
-          <a:prstGeom prst="rect">
-            <a:avLst/>
-          </a:prstGeom>
-        </p:spPr>
-      </p:pic>
-    </p:spTree>
-    <p:extLst>
-      <p:ext uri="{BB962C8B-B14F-4D97-AF65-F5344CB8AC3E}">
-        <p14:creationId xmlns:p14="http://schemas.microsoft.com/office/powerpoint/2010/main" val="532626813"/>
-      </p:ext>
-    </p:extLst>
-  </p:cSld>
-  <p:clrMapOvr>
-    <a:masterClrMapping/>
-  </p:clrMapOvr>
-</p:sld>
-</file>
-
-<file path=ppt/slides/slide8.xml><?xml version="1.0" encoding="utf-8"?>
+<file path=ppt/slides/slide11.xml><?xml version="1.0" encoding="utf-8"?>
 <p:sld xmlns:a="http://schemas.openxmlformats.org/drawingml/2006/main" xmlns:r="http://schemas.openxmlformats.org/officeDocument/2006/relationships" xmlns:p="http://schemas.openxmlformats.org/presentationml/2006/main">
   <p:cSld>
     <p:spTree>
@@ -3966,6 +3305,1920 @@
     <p:extLst>
       <p:ext uri="{BB962C8B-B14F-4D97-AF65-F5344CB8AC3E}">
         <p14:creationId xmlns:p14="http://schemas.microsoft.com/office/powerpoint/2010/main" val="796738501"/>
+      </p:ext>
+    </p:extLst>
+  </p:cSld>
+  <p:clrMapOvr>
+    <a:masterClrMapping/>
+  </p:clrMapOvr>
+</p:sld>
+</file>
+
+<file path=ppt/slides/slide2.xml><?xml version="1.0" encoding="utf-8"?>
+<p:sld xmlns:a="http://schemas.openxmlformats.org/drawingml/2006/main" xmlns:r="http://schemas.openxmlformats.org/officeDocument/2006/relationships" xmlns:p="http://schemas.openxmlformats.org/presentationml/2006/main">
+  <p:cSld>
+    <p:spTree>
+      <p:nvGrpSpPr>
+        <p:cNvPr id="1" name=""/>
+        <p:cNvGrpSpPr/>
+        <p:nvPr/>
+      </p:nvGrpSpPr>
+      <p:grpSpPr>
+        <a:xfrm>
+          <a:off x="0" y="0"/>
+          <a:ext cx="0" cy="0"/>
+          <a:chOff x="0" y="0"/>
+          <a:chExt cx="0" cy="0"/>
+        </a:xfrm>
+      </p:grpSpPr>
+      <p:sp>
+        <p:nvSpPr>
+          <p:cNvPr id="2" name="Title 1"/>
+          <p:cNvSpPr>
+            <a:spLocks noGrp="1"/>
+          </p:cNvSpPr>
+          <p:nvPr>
+            <p:ph type="title"/>
+          </p:nvPr>
+        </p:nvSpPr>
+        <p:spPr/>
+        <p:txBody>
+          <a:bodyPr>
+            <a:normAutofit/>
+          </a:bodyPr>
+          <a:lstStyle/>
+          <a:p>
+            <a:r>
+              <a:rPr lang="en-US" sz="4000" dirty="0">
+                <a:latin typeface="Arial Black" charset="0"/>
+                <a:ea typeface="Arial Black" charset="0"/>
+                <a:cs typeface="Arial Black" charset="0"/>
+              </a:rPr>
+              <a:t>Reference</a:t>
+            </a:r>
+          </a:p>
+        </p:txBody>
+      </p:sp>
+      <p:sp>
+        <p:nvSpPr>
+          <p:cNvPr id="3" name="Content Placeholder 2"/>
+          <p:cNvSpPr>
+            <a:spLocks noGrp="1"/>
+          </p:cNvSpPr>
+          <p:nvPr>
+            <p:ph idx="1"/>
+          </p:nvPr>
+        </p:nvSpPr>
+        <p:spPr/>
+        <p:txBody>
+          <a:bodyPr/>
+          <a:lstStyle/>
+          <a:p>
+            <a:endParaRPr lang="en-US" sz="2000" dirty="0">
+              <a:latin typeface="Arial Black" charset="0"/>
+              <a:ea typeface="Arial Black" charset="0"/>
+              <a:cs typeface="Arial Black" charset="0"/>
+              <a:hlinkClick r:id="rId2"/>
+            </a:endParaRPr>
+          </a:p>
+          <a:p>
+            <a:r>
+              <a:rPr lang="en-US" sz="2000" dirty="0">
+                <a:latin typeface="Arial Black" charset="0"/>
+                <a:ea typeface="Arial Black" charset="0"/>
+                <a:cs typeface="Arial Black" charset="0"/>
+                <a:hlinkClick r:id="rId3"/>
+              </a:rPr>
+              <a:t>Data</a:t>
+            </a:r>
+            <a:endParaRPr lang="en-US" sz="2000" dirty="0">
+              <a:latin typeface="Arial Black" charset="0"/>
+              <a:ea typeface="Arial Black" charset="0"/>
+              <a:cs typeface="Arial Black" charset="0"/>
+            </a:endParaRPr>
+          </a:p>
+          <a:p>
+            <a:endParaRPr lang="en-US" sz="2000" dirty="0">
+              <a:latin typeface="Arial Black" charset="0"/>
+              <a:ea typeface="Arial Black" charset="0"/>
+              <a:cs typeface="Arial Black" charset="0"/>
+            </a:endParaRPr>
+          </a:p>
+          <a:p>
+            <a:r>
+              <a:rPr lang="en-US" sz="2000" dirty="0">
+                <a:latin typeface="Arial Black" charset="0"/>
+                <a:ea typeface="Arial Black" charset="0"/>
+                <a:cs typeface="Arial Black" charset="0"/>
+                <a:hlinkClick r:id="rId4"/>
+              </a:rPr>
+              <a:t>Youtube</a:t>
+            </a:r>
+            <a:endParaRPr lang="en-US" sz="2000" dirty="0">
+              <a:latin typeface="Arial Black" charset="0"/>
+              <a:ea typeface="Arial Black" charset="0"/>
+              <a:cs typeface="Arial Black" charset="0"/>
+            </a:endParaRPr>
+          </a:p>
+          <a:p>
+            <a:endParaRPr lang="en-US" dirty="0">
+              <a:latin typeface="Arial Black" charset="0"/>
+              <a:ea typeface="Arial Black" charset="0"/>
+              <a:cs typeface="Arial Black" charset="0"/>
+            </a:endParaRPr>
+          </a:p>
+          <a:p>
+            <a:r>
+              <a:rPr lang="en-US" sz="2000" dirty="0">
+                <a:latin typeface="Arial Black" charset="0"/>
+                <a:ea typeface="Arial Black" charset="0"/>
+                <a:cs typeface="Arial Black" charset="0"/>
+                <a:hlinkClick r:id="rId5"/>
+              </a:rPr>
+              <a:t>Code</a:t>
+            </a:r>
+            <a:endParaRPr lang="en-US" sz="2000" dirty="0">
+              <a:latin typeface="Arial Black" charset="0"/>
+              <a:ea typeface="Arial Black" charset="0"/>
+              <a:cs typeface="Arial Black" charset="0"/>
+              <a:hlinkClick r:id="rId6"/>
+            </a:endParaRPr>
+          </a:p>
+        </p:txBody>
+      </p:sp>
+    </p:spTree>
+    <p:extLst>
+      <p:ext uri="{BB962C8B-B14F-4D97-AF65-F5344CB8AC3E}">
+        <p14:creationId xmlns:p14="http://schemas.microsoft.com/office/powerpoint/2010/main" val="1160648847"/>
+      </p:ext>
+    </p:extLst>
+  </p:cSld>
+  <p:clrMapOvr>
+    <a:masterClrMapping/>
+  </p:clrMapOvr>
+</p:sld>
+</file>
+
+<file path=ppt/slides/slide3.xml><?xml version="1.0" encoding="utf-8"?>
+<p:sld xmlns:a="http://schemas.openxmlformats.org/drawingml/2006/main" xmlns:r="http://schemas.openxmlformats.org/officeDocument/2006/relationships" xmlns:p="http://schemas.openxmlformats.org/presentationml/2006/main">
+  <p:cSld>
+    <p:spTree>
+      <p:nvGrpSpPr>
+        <p:cNvPr id="1" name=""/>
+        <p:cNvGrpSpPr/>
+        <p:nvPr/>
+      </p:nvGrpSpPr>
+      <p:grpSpPr>
+        <a:xfrm>
+          <a:off x="0" y="0"/>
+          <a:ext cx="0" cy="0"/>
+          <a:chOff x="0" y="0"/>
+          <a:chExt cx="0" cy="0"/>
+        </a:xfrm>
+      </p:grpSpPr>
+      <p:sp>
+        <p:nvSpPr>
+          <p:cNvPr id="3" name="TextBox 2"/>
+          <p:cNvSpPr txBox="1"/>
+          <p:nvPr/>
+        </p:nvSpPr>
+        <p:spPr>
+          <a:xfrm>
+            <a:off x="10125635" y="5970494"/>
+            <a:ext cx="1951175" cy="707886"/>
+          </a:xfrm>
+          <a:prstGeom prst="rect">
+            <a:avLst/>
+          </a:prstGeom>
+          <a:noFill/>
+        </p:spPr>
+        <p:txBody>
+          <a:bodyPr wrap="none" rtlCol="0">
+            <a:spAutoFit/>
+          </a:bodyPr>
+          <a:lstStyle/>
+          <a:p>
+            <a:r>
+              <a:rPr lang="en-US" sz="4000" dirty="0">
+                <a:latin typeface="Arial Black" charset="0"/>
+                <a:ea typeface="Arial Black" charset="0"/>
+                <a:cs typeface="Arial Black" charset="0"/>
+              </a:rPr>
+              <a:t>[2013]</a:t>
+            </a:r>
+          </a:p>
+        </p:txBody>
+      </p:sp>
+      <p:pic>
+        <p:nvPicPr>
+          <p:cNvPr id="4" name="Picture 3"/>
+          <p:cNvPicPr>
+            <a:picLocks noChangeAspect="1"/>
+          </p:cNvPicPr>
+          <p:nvPr/>
+        </p:nvPicPr>
+        <p:blipFill>
+          <a:blip r:embed="rId2">
+            <a:extLst>
+              <a:ext uri="{28A0092B-C50C-407E-A947-70E740481C1C}">
+                <a14:useLocalDpi xmlns:a14="http://schemas.microsoft.com/office/drawing/2010/main" val="0"/>
+              </a:ext>
+            </a:extLst>
+          </a:blip>
+          <a:stretch>
+            <a:fillRect/>
+          </a:stretch>
+        </p:blipFill>
+        <p:spPr>
+          <a:xfrm>
+            <a:off x="1181099" y="2423160"/>
+            <a:ext cx="10248194" cy="1905000"/>
+          </a:xfrm>
+          <a:prstGeom prst="rect">
+            <a:avLst/>
+          </a:prstGeom>
+        </p:spPr>
+      </p:pic>
+    </p:spTree>
+    <p:extLst>
+      <p:ext uri="{BB962C8B-B14F-4D97-AF65-F5344CB8AC3E}">
+        <p14:creationId xmlns:p14="http://schemas.microsoft.com/office/powerpoint/2010/main" val="370017141"/>
+      </p:ext>
+    </p:extLst>
+  </p:cSld>
+  <p:clrMapOvr>
+    <a:masterClrMapping/>
+  </p:clrMapOvr>
+</p:sld>
+</file>
+
+<file path=ppt/slides/slide4.xml><?xml version="1.0" encoding="utf-8"?>
+<p:sld xmlns:a="http://schemas.openxmlformats.org/drawingml/2006/main" xmlns:r="http://schemas.openxmlformats.org/officeDocument/2006/relationships" xmlns:p="http://schemas.openxmlformats.org/presentationml/2006/main">
+  <p:cSld>
+    <p:spTree>
+      <p:nvGrpSpPr>
+        <p:cNvPr id="1" name=""/>
+        <p:cNvGrpSpPr/>
+        <p:nvPr/>
+      </p:nvGrpSpPr>
+      <p:grpSpPr>
+        <a:xfrm>
+          <a:off x="0" y="0"/>
+          <a:ext cx="0" cy="0"/>
+          <a:chOff x="0" y="0"/>
+          <a:chExt cx="0" cy="0"/>
+        </a:xfrm>
+      </p:grpSpPr>
+      <p:pic>
+        <p:nvPicPr>
+          <p:cNvPr id="4" name="Picture 3" descr="A close up of a clock&#10;&#10;Description automatically generated">
+            <a:extLst>
+              <a:ext uri="{FF2B5EF4-FFF2-40B4-BE49-F238E27FC236}">
+                <a16:creationId xmlns:a16="http://schemas.microsoft.com/office/drawing/2014/main" id="{36C70B64-E96D-8D4D-B9AA-16E380F3C697}"/>
+              </a:ext>
+            </a:extLst>
+          </p:cNvPr>
+          <p:cNvPicPr>
+            <a:picLocks noChangeAspect="1"/>
+          </p:cNvPicPr>
+          <p:nvPr/>
+        </p:nvPicPr>
+        <p:blipFill>
+          <a:blip r:embed="rId2"/>
+          <a:stretch>
+            <a:fillRect/>
+          </a:stretch>
+        </p:blipFill>
+        <p:spPr>
+          <a:xfrm>
+            <a:off x="1248954" y="889686"/>
+            <a:ext cx="10024588" cy="5387546"/>
+          </a:xfrm>
+          <a:prstGeom prst="rect">
+            <a:avLst/>
+          </a:prstGeom>
+        </p:spPr>
+      </p:pic>
+      <p:pic>
+        <p:nvPicPr>
+          <p:cNvPr id="5" name="Picture 4">
+            <a:extLst>
+              <a:ext uri="{FF2B5EF4-FFF2-40B4-BE49-F238E27FC236}">
+                <a16:creationId xmlns:a16="http://schemas.microsoft.com/office/drawing/2014/main" id="{80320B5A-6C8D-6741-B1D4-6D879BD00528}"/>
+              </a:ext>
+            </a:extLst>
+          </p:cNvPr>
+          <p:cNvPicPr>
+            <a:picLocks noChangeAspect="1"/>
+          </p:cNvPicPr>
+          <p:nvPr/>
+        </p:nvPicPr>
+        <p:blipFill>
+          <a:blip r:embed="rId3"/>
+          <a:stretch>
+            <a:fillRect/>
+          </a:stretch>
+        </p:blipFill>
+        <p:spPr>
+          <a:xfrm>
+            <a:off x="0" y="0"/>
+            <a:ext cx="12192000" cy="6858000"/>
+          </a:xfrm>
+          <a:prstGeom prst="rect">
+            <a:avLst/>
+          </a:prstGeom>
+        </p:spPr>
+      </p:pic>
+      <p:pic>
+        <p:nvPicPr>
+          <p:cNvPr id="7" name="Picture 6" descr="A close up of a logo&#10;&#10;Description automatically generated">
+            <a:extLst>
+              <a:ext uri="{FF2B5EF4-FFF2-40B4-BE49-F238E27FC236}">
+                <a16:creationId xmlns:a16="http://schemas.microsoft.com/office/drawing/2014/main" id="{599F3518-A2B4-7A42-8627-8BE2C302AD80}"/>
+              </a:ext>
+            </a:extLst>
+          </p:cNvPr>
+          <p:cNvPicPr>
+            <a:picLocks noChangeAspect="1"/>
+          </p:cNvPicPr>
+          <p:nvPr/>
+        </p:nvPicPr>
+        <p:blipFill>
+          <a:blip r:embed="rId4"/>
+          <a:stretch>
+            <a:fillRect/>
+          </a:stretch>
+        </p:blipFill>
+        <p:spPr>
+          <a:xfrm>
+            <a:off x="3626069" y="1860331"/>
+            <a:ext cx="7740659" cy="4416901"/>
+          </a:xfrm>
+          <a:prstGeom prst="rect">
+            <a:avLst/>
+          </a:prstGeom>
+        </p:spPr>
+      </p:pic>
+    </p:spTree>
+    <p:extLst>
+      <p:ext uri="{BB962C8B-B14F-4D97-AF65-F5344CB8AC3E}">
+        <p14:creationId xmlns:p14="http://schemas.microsoft.com/office/powerpoint/2010/main" val="1486962172"/>
+      </p:ext>
+    </p:extLst>
+  </p:cSld>
+  <p:clrMapOvr>
+    <a:masterClrMapping/>
+  </p:clrMapOvr>
+</p:sld>
+</file>
+
+<file path=ppt/slides/slide5.xml><?xml version="1.0" encoding="utf-8"?>
+<p:sld xmlns:a="http://schemas.openxmlformats.org/drawingml/2006/main" xmlns:r="http://schemas.openxmlformats.org/officeDocument/2006/relationships" xmlns:p="http://schemas.openxmlformats.org/presentationml/2006/main">
+  <p:cSld>
+    <p:spTree>
+      <p:nvGrpSpPr>
+        <p:cNvPr id="1" name=""/>
+        <p:cNvGrpSpPr/>
+        <p:nvPr/>
+      </p:nvGrpSpPr>
+      <p:grpSpPr>
+        <a:xfrm>
+          <a:off x="0" y="0"/>
+          <a:ext cx="0" cy="0"/>
+          <a:chOff x="0" y="0"/>
+          <a:chExt cx="0" cy="0"/>
+        </a:xfrm>
+      </p:grpSpPr>
+      <p:pic>
+        <p:nvPicPr>
+          <p:cNvPr id="4" name="Picture 3" descr="A close up of a clock&#10;&#10;Description automatically generated">
+            <a:extLst>
+              <a:ext uri="{FF2B5EF4-FFF2-40B4-BE49-F238E27FC236}">
+                <a16:creationId xmlns:a16="http://schemas.microsoft.com/office/drawing/2014/main" id="{36C70B64-E96D-8D4D-B9AA-16E380F3C697}"/>
+              </a:ext>
+            </a:extLst>
+          </p:cNvPr>
+          <p:cNvPicPr>
+            <a:picLocks noChangeAspect="1"/>
+          </p:cNvPicPr>
+          <p:nvPr/>
+        </p:nvPicPr>
+        <p:blipFill>
+          <a:blip r:embed="rId2"/>
+          <a:stretch>
+            <a:fillRect/>
+          </a:stretch>
+        </p:blipFill>
+        <p:spPr>
+          <a:xfrm>
+            <a:off x="1248954" y="889686"/>
+            <a:ext cx="10024588" cy="5387546"/>
+          </a:xfrm>
+          <a:prstGeom prst="rect">
+            <a:avLst/>
+          </a:prstGeom>
+        </p:spPr>
+      </p:pic>
+      <p:pic>
+        <p:nvPicPr>
+          <p:cNvPr id="5" name="Picture 4">
+            <a:extLst>
+              <a:ext uri="{FF2B5EF4-FFF2-40B4-BE49-F238E27FC236}">
+                <a16:creationId xmlns:a16="http://schemas.microsoft.com/office/drawing/2014/main" id="{80320B5A-6C8D-6741-B1D4-6D879BD00528}"/>
+              </a:ext>
+            </a:extLst>
+          </p:cNvPr>
+          <p:cNvPicPr>
+            <a:picLocks noChangeAspect="1"/>
+          </p:cNvPicPr>
+          <p:nvPr/>
+        </p:nvPicPr>
+        <p:blipFill>
+          <a:blip r:embed="rId3"/>
+          <a:stretch>
+            <a:fillRect/>
+          </a:stretch>
+        </p:blipFill>
+        <p:spPr>
+          <a:xfrm>
+            <a:off x="0" y="0"/>
+            <a:ext cx="12192000" cy="6858000"/>
+          </a:xfrm>
+          <a:prstGeom prst="rect">
+            <a:avLst/>
+          </a:prstGeom>
+        </p:spPr>
+      </p:pic>
+      <p:pic>
+        <p:nvPicPr>
+          <p:cNvPr id="7" name="Picture 6" descr="A close up of a logo&#10;&#10;Description automatically generated">
+            <a:extLst>
+              <a:ext uri="{FF2B5EF4-FFF2-40B4-BE49-F238E27FC236}">
+                <a16:creationId xmlns:a16="http://schemas.microsoft.com/office/drawing/2014/main" id="{599F3518-A2B4-7A42-8627-8BE2C302AD80}"/>
+              </a:ext>
+            </a:extLst>
+          </p:cNvPr>
+          <p:cNvPicPr>
+            <a:picLocks noChangeAspect="1"/>
+          </p:cNvPicPr>
+          <p:nvPr/>
+        </p:nvPicPr>
+        <p:blipFill>
+          <a:blip r:embed="rId4"/>
+          <a:stretch>
+            <a:fillRect/>
+          </a:stretch>
+        </p:blipFill>
+        <p:spPr>
+          <a:xfrm>
+            <a:off x="6096000" y="1860331"/>
+            <a:ext cx="5270728" cy="4416901"/>
+          </a:xfrm>
+          <a:prstGeom prst="rect">
+            <a:avLst/>
+          </a:prstGeom>
+        </p:spPr>
+      </p:pic>
+    </p:spTree>
+    <p:extLst>
+      <p:ext uri="{BB962C8B-B14F-4D97-AF65-F5344CB8AC3E}">
+        <p14:creationId xmlns:p14="http://schemas.microsoft.com/office/powerpoint/2010/main" val="864661520"/>
+      </p:ext>
+    </p:extLst>
+  </p:cSld>
+  <p:clrMapOvr>
+    <a:masterClrMapping/>
+  </p:clrMapOvr>
+</p:sld>
+</file>
+
+<file path=ppt/slides/slide6.xml><?xml version="1.0" encoding="utf-8"?>
+<p:sld xmlns:a="http://schemas.openxmlformats.org/drawingml/2006/main" xmlns:r="http://schemas.openxmlformats.org/officeDocument/2006/relationships" xmlns:p="http://schemas.openxmlformats.org/presentationml/2006/main">
+  <p:cSld>
+    <p:spTree>
+      <p:nvGrpSpPr>
+        <p:cNvPr id="1" name=""/>
+        <p:cNvGrpSpPr/>
+        <p:nvPr/>
+      </p:nvGrpSpPr>
+      <p:grpSpPr>
+        <a:xfrm>
+          <a:off x="0" y="0"/>
+          <a:ext cx="0" cy="0"/>
+          <a:chOff x="0" y="0"/>
+          <a:chExt cx="0" cy="0"/>
+        </a:xfrm>
+      </p:grpSpPr>
+      <p:sp>
+        <p:nvSpPr>
+          <p:cNvPr id="2" name="TextBox 1">
+            <a:extLst>
+              <a:ext uri="{FF2B5EF4-FFF2-40B4-BE49-F238E27FC236}">
+                <a16:creationId xmlns:a16="http://schemas.microsoft.com/office/drawing/2014/main" id="{F40F7924-0138-714D-8C84-985262F72AA6}"/>
+              </a:ext>
+            </a:extLst>
+          </p:cNvPr>
+          <p:cNvSpPr txBox="1"/>
+          <p:nvPr/>
+        </p:nvSpPr>
+        <p:spPr>
+          <a:xfrm>
+            <a:off x="3446877" y="1028700"/>
+            <a:ext cx="5298245" cy="707886"/>
+          </a:xfrm>
+          <a:prstGeom prst="rect">
+            <a:avLst/>
+          </a:prstGeom>
+          <a:noFill/>
+        </p:spPr>
+        <p:txBody>
+          <a:bodyPr wrap="none" rtlCol="0">
+            <a:spAutoFit/>
+          </a:bodyPr>
+          <a:lstStyle/>
+          <a:p>
+            <a:r>
+              <a:rPr lang="en-US" sz="4000" b="1" dirty="0">
+                <a:latin typeface="Arial Black" panose="020B0604020202020204" pitchFamily="34" charset="0"/>
+                <a:cs typeface="Arial Black" panose="020B0604020202020204" pitchFamily="34" charset="0"/>
+              </a:rPr>
+              <a:t>b=0, c=1, d=0, e=2</a:t>
+            </a:r>
+          </a:p>
+        </p:txBody>
+      </p:sp>
+      <p:sp>
+        <p:nvSpPr>
+          <p:cNvPr id="4" name="Oval 3">
+            <a:extLst>
+              <a:ext uri="{FF2B5EF4-FFF2-40B4-BE49-F238E27FC236}">
+                <a16:creationId xmlns:a16="http://schemas.microsoft.com/office/drawing/2014/main" id="{E3B63319-F61A-1E4E-A186-6FECDEFA1090}"/>
+              </a:ext>
+            </a:extLst>
+          </p:cNvPr>
+          <p:cNvSpPr/>
+          <p:nvPr/>
+        </p:nvSpPr>
+        <p:spPr>
+          <a:xfrm>
+            <a:off x="3908632" y="3638550"/>
+            <a:ext cx="532227" cy="525780"/>
+          </a:xfrm>
+          <a:prstGeom prst="ellipse">
+            <a:avLst/>
+          </a:prstGeom>
+        </p:spPr>
+        <p:style>
+          <a:lnRef idx="2">
+            <a:schemeClr val="accent1">
+              <a:shade val="50000"/>
+            </a:schemeClr>
+          </a:lnRef>
+          <a:fillRef idx="1">
+            <a:schemeClr val="accent1"/>
+          </a:fillRef>
+          <a:effectRef idx="0">
+            <a:schemeClr val="accent1"/>
+          </a:effectRef>
+          <a:fontRef idx="minor">
+            <a:schemeClr val="lt1"/>
+          </a:fontRef>
+        </p:style>
+        <p:txBody>
+          <a:bodyPr rtlCol="0" anchor="ctr"/>
+          <a:lstStyle/>
+          <a:p>
+            <a:pPr algn="ctr"/>
+            <a:endParaRPr lang="en-US"/>
+          </a:p>
+        </p:txBody>
+      </p:sp>
+      <p:sp>
+        <p:nvSpPr>
+          <p:cNvPr id="5" name="Oval 4">
+            <a:extLst>
+              <a:ext uri="{FF2B5EF4-FFF2-40B4-BE49-F238E27FC236}">
+                <a16:creationId xmlns:a16="http://schemas.microsoft.com/office/drawing/2014/main" id="{BCE74683-2D28-0B44-BBB9-067F8273652C}"/>
+              </a:ext>
+            </a:extLst>
+          </p:cNvPr>
+          <p:cNvSpPr/>
+          <p:nvPr/>
+        </p:nvSpPr>
+        <p:spPr>
+          <a:xfrm>
+            <a:off x="7790426" y="3638550"/>
+            <a:ext cx="532227" cy="525780"/>
+          </a:xfrm>
+          <a:prstGeom prst="ellipse">
+            <a:avLst/>
+          </a:prstGeom>
+        </p:spPr>
+        <p:style>
+          <a:lnRef idx="2">
+            <a:schemeClr val="accent1">
+              <a:shade val="50000"/>
+            </a:schemeClr>
+          </a:lnRef>
+          <a:fillRef idx="1">
+            <a:schemeClr val="accent1"/>
+          </a:fillRef>
+          <a:effectRef idx="0">
+            <a:schemeClr val="accent1"/>
+          </a:effectRef>
+          <a:fontRef idx="minor">
+            <a:schemeClr val="lt1"/>
+          </a:fontRef>
+        </p:style>
+        <p:txBody>
+          <a:bodyPr rtlCol="0" anchor="ctr"/>
+          <a:lstStyle/>
+          <a:p>
+            <a:pPr algn="ctr"/>
+            <a:endParaRPr lang="en-US"/>
+          </a:p>
+        </p:txBody>
+      </p:sp>
+      <p:sp>
+        <p:nvSpPr>
+          <p:cNvPr id="6" name="Oval 5">
+            <a:extLst>
+              <a:ext uri="{FF2B5EF4-FFF2-40B4-BE49-F238E27FC236}">
+                <a16:creationId xmlns:a16="http://schemas.microsoft.com/office/drawing/2014/main" id="{745FABA2-F80E-2F49-B2A2-1C911F5DFD36}"/>
+              </a:ext>
+            </a:extLst>
+          </p:cNvPr>
+          <p:cNvSpPr/>
+          <p:nvPr/>
+        </p:nvSpPr>
+        <p:spPr>
+          <a:xfrm>
+            <a:off x="9246724" y="3638550"/>
+            <a:ext cx="532227" cy="525780"/>
+          </a:xfrm>
+          <a:prstGeom prst="ellipse">
+            <a:avLst/>
+          </a:prstGeom>
+        </p:spPr>
+        <p:style>
+          <a:lnRef idx="2">
+            <a:schemeClr val="accent1">
+              <a:shade val="50000"/>
+            </a:schemeClr>
+          </a:lnRef>
+          <a:fillRef idx="1">
+            <a:schemeClr val="accent1"/>
+          </a:fillRef>
+          <a:effectRef idx="0">
+            <a:schemeClr val="accent1"/>
+          </a:effectRef>
+          <a:fontRef idx="minor">
+            <a:schemeClr val="lt1"/>
+          </a:fontRef>
+        </p:style>
+        <p:txBody>
+          <a:bodyPr rtlCol="0" anchor="ctr"/>
+          <a:lstStyle/>
+          <a:p>
+            <a:pPr algn="ctr"/>
+            <a:endParaRPr lang="en-US"/>
+          </a:p>
+        </p:txBody>
+      </p:sp>
+      <p:sp>
+        <p:nvSpPr>
+          <p:cNvPr id="7" name="Rectangle 6">
+            <a:extLst>
+              <a:ext uri="{FF2B5EF4-FFF2-40B4-BE49-F238E27FC236}">
+                <a16:creationId xmlns:a16="http://schemas.microsoft.com/office/drawing/2014/main" id="{102E736D-6E5C-7E44-A75B-2E583E6B7F3D}"/>
+              </a:ext>
+            </a:extLst>
+          </p:cNvPr>
+          <p:cNvSpPr/>
+          <p:nvPr/>
+        </p:nvSpPr>
+        <p:spPr>
+          <a:xfrm>
+            <a:off x="6638359" y="3429000"/>
+            <a:ext cx="274320" cy="914400"/>
+          </a:xfrm>
+          <a:prstGeom prst="rect">
+            <a:avLst/>
+          </a:prstGeom>
+        </p:spPr>
+        <p:style>
+          <a:lnRef idx="2">
+            <a:schemeClr val="accent1">
+              <a:shade val="50000"/>
+            </a:schemeClr>
+          </a:lnRef>
+          <a:fillRef idx="1">
+            <a:schemeClr val="accent1"/>
+          </a:fillRef>
+          <a:effectRef idx="0">
+            <a:schemeClr val="accent1"/>
+          </a:effectRef>
+          <a:fontRef idx="minor">
+            <a:schemeClr val="lt1"/>
+          </a:fontRef>
+        </p:style>
+        <p:txBody>
+          <a:bodyPr rtlCol="0" anchor="ctr"/>
+          <a:lstStyle/>
+          <a:p>
+            <a:pPr algn="ctr"/>
+            <a:endParaRPr lang="en-US"/>
+          </a:p>
+        </p:txBody>
+      </p:sp>
+      <p:sp>
+        <p:nvSpPr>
+          <p:cNvPr id="8" name="Rectangle 7">
+            <a:extLst>
+              <a:ext uri="{FF2B5EF4-FFF2-40B4-BE49-F238E27FC236}">
+                <a16:creationId xmlns:a16="http://schemas.microsoft.com/office/drawing/2014/main" id="{62A4DB28-E298-1D42-8BC6-D6720D6438E4}"/>
+              </a:ext>
+            </a:extLst>
+          </p:cNvPr>
+          <p:cNvSpPr/>
+          <p:nvPr/>
+        </p:nvSpPr>
+        <p:spPr>
+          <a:xfrm>
+            <a:off x="5318606" y="3444240"/>
+            <a:ext cx="274320" cy="914400"/>
+          </a:xfrm>
+          <a:prstGeom prst="rect">
+            <a:avLst/>
+          </a:prstGeom>
+        </p:spPr>
+        <p:style>
+          <a:lnRef idx="2">
+            <a:schemeClr val="accent1">
+              <a:shade val="50000"/>
+            </a:schemeClr>
+          </a:lnRef>
+          <a:fillRef idx="1">
+            <a:schemeClr val="accent1"/>
+          </a:fillRef>
+          <a:effectRef idx="0">
+            <a:schemeClr val="accent1"/>
+          </a:effectRef>
+          <a:fontRef idx="minor">
+            <a:schemeClr val="lt1"/>
+          </a:fontRef>
+        </p:style>
+        <p:txBody>
+          <a:bodyPr rtlCol="0" anchor="ctr"/>
+          <a:lstStyle/>
+          <a:p>
+            <a:pPr algn="ctr"/>
+            <a:endParaRPr lang="en-US"/>
+          </a:p>
+        </p:txBody>
+      </p:sp>
+      <p:sp>
+        <p:nvSpPr>
+          <p:cNvPr id="9" name="Rectangle 8">
+            <a:extLst>
+              <a:ext uri="{FF2B5EF4-FFF2-40B4-BE49-F238E27FC236}">
+                <a16:creationId xmlns:a16="http://schemas.microsoft.com/office/drawing/2014/main" id="{409D7C83-3063-1949-8DCB-B2D3BA5B93D1}"/>
+              </a:ext>
+            </a:extLst>
+          </p:cNvPr>
+          <p:cNvSpPr/>
+          <p:nvPr/>
+        </p:nvSpPr>
+        <p:spPr>
+          <a:xfrm>
+            <a:off x="2762700" y="3444240"/>
+            <a:ext cx="274320" cy="914400"/>
+          </a:xfrm>
+          <a:prstGeom prst="rect">
+            <a:avLst/>
+          </a:prstGeom>
+        </p:spPr>
+        <p:style>
+          <a:lnRef idx="2">
+            <a:schemeClr val="accent1">
+              <a:shade val="50000"/>
+            </a:schemeClr>
+          </a:lnRef>
+          <a:fillRef idx="1">
+            <a:schemeClr val="accent1"/>
+          </a:fillRef>
+          <a:effectRef idx="0">
+            <a:schemeClr val="accent1"/>
+          </a:effectRef>
+          <a:fontRef idx="minor">
+            <a:schemeClr val="lt1"/>
+          </a:fontRef>
+        </p:style>
+        <p:txBody>
+          <a:bodyPr rtlCol="0" anchor="ctr"/>
+          <a:lstStyle/>
+          <a:p>
+            <a:pPr algn="ctr"/>
+            <a:endParaRPr lang="en-US"/>
+          </a:p>
+        </p:txBody>
+      </p:sp>
+      <p:pic>
+        <p:nvPicPr>
+          <p:cNvPr id="11" name="Picture 10">
+            <a:extLst>
+              <a:ext uri="{FF2B5EF4-FFF2-40B4-BE49-F238E27FC236}">
+                <a16:creationId xmlns:a16="http://schemas.microsoft.com/office/drawing/2014/main" id="{A28FB752-6874-2E49-857E-17E6241B0F82}"/>
+              </a:ext>
+            </a:extLst>
+          </p:cNvPr>
+          <p:cNvPicPr>
+            <a:picLocks noChangeAspect="1"/>
+          </p:cNvPicPr>
+          <p:nvPr/>
+        </p:nvPicPr>
+        <p:blipFill>
+          <a:blip r:embed="rId2"/>
+          <a:stretch>
+            <a:fillRect/>
+          </a:stretch>
+        </p:blipFill>
+        <p:spPr>
+          <a:xfrm>
+            <a:off x="1965960" y="3289300"/>
+            <a:ext cx="8835390" cy="3294380"/>
+          </a:xfrm>
+          <a:prstGeom prst="rect">
+            <a:avLst/>
+          </a:prstGeom>
+        </p:spPr>
+      </p:pic>
+    </p:spTree>
+    <p:extLst>
+      <p:ext uri="{BB962C8B-B14F-4D97-AF65-F5344CB8AC3E}">
+        <p14:creationId xmlns:p14="http://schemas.microsoft.com/office/powerpoint/2010/main" val="1212722048"/>
+      </p:ext>
+    </p:extLst>
+  </p:cSld>
+  <p:clrMapOvr>
+    <a:masterClrMapping/>
+  </p:clrMapOvr>
+</p:sld>
+</file>
+
+<file path=ppt/slides/slide7.xml><?xml version="1.0" encoding="utf-8"?>
+<p:sld xmlns:a="http://schemas.openxmlformats.org/drawingml/2006/main" xmlns:r="http://schemas.openxmlformats.org/officeDocument/2006/relationships" xmlns:p="http://schemas.openxmlformats.org/presentationml/2006/main">
+  <p:cSld>
+    <p:spTree>
+      <p:nvGrpSpPr>
+        <p:cNvPr id="1" name=""/>
+        <p:cNvGrpSpPr/>
+        <p:nvPr/>
+      </p:nvGrpSpPr>
+      <p:grpSpPr>
+        <a:xfrm>
+          <a:off x="0" y="0"/>
+          <a:ext cx="0" cy="0"/>
+          <a:chOff x="0" y="0"/>
+          <a:chExt cx="0" cy="0"/>
+        </a:xfrm>
+      </p:grpSpPr>
+      <p:sp>
+        <p:nvSpPr>
+          <p:cNvPr id="2" name="TextBox 1">
+            <a:extLst>
+              <a:ext uri="{FF2B5EF4-FFF2-40B4-BE49-F238E27FC236}">
+                <a16:creationId xmlns:a16="http://schemas.microsoft.com/office/drawing/2014/main" id="{F40F7924-0138-714D-8C84-985262F72AA6}"/>
+              </a:ext>
+            </a:extLst>
+          </p:cNvPr>
+          <p:cNvSpPr txBox="1"/>
+          <p:nvPr/>
+        </p:nvSpPr>
+        <p:spPr>
+          <a:xfrm>
+            <a:off x="3446877" y="1028700"/>
+            <a:ext cx="5298245" cy="707886"/>
+          </a:xfrm>
+          <a:prstGeom prst="rect">
+            <a:avLst/>
+          </a:prstGeom>
+          <a:noFill/>
+        </p:spPr>
+        <p:txBody>
+          <a:bodyPr wrap="none" rtlCol="0">
+            <a:spAutoFit/>
+          </a:bodyPr>
+          <a:lstStyle/>
+          <a:p>
+            <a:r>
+              <a:rPr lang="en-US" sz="4000" b="1" dirty="0">
+                <a:latin typeface="Arial Black" panose="020B0604020202020204" pitchFamily="34" charset="0"/>
+                <a:cs typeface="Arial Black" panose="020B0604020202020204" pitchFamily="34" charset="0"/>
+              </a:rPr>
+              <a:t>b=0, c=1, d=0, e=2</a:t>
+            </a:r>
+          </a:p>
+        </p:txBody>
+      </p:sp>
+      <p:sp>
+        <p:nvSpPr>
+          <p:cNvPr id="4" name="Oval 3">
+            <a:extLst>
+              <a:ext uri="{FF2B5EF4-FFF2-40B4-BE49-F238E27FC236}">
+                <a16:creationId xmlns:a16="http://schemas.microsoft.com/office/drawing/2014/main" id="{E3B63319-F61A-1E4E-A186-6FECDEFA1090}"/>
+              </a:ext>
+            </a:extLst>
+          </p:cNvPr>
+          <p:cNvSpPr/>
+          <p:nvPr/>
+        </p:nvSpPr>
+        <p:spPr>
+          <a:xfrm>
+            <a:off x="3908632" y="3638550"/>
+            <a:ext cx="532227" cy="525780"/>
+          </a:xfrm>
+          <a:prstGeom prst="ellipse">
+            <a:avLst/>
+          </a:prstGeom>
+        </p:spPr>
+        <p:style>
+          <a:lnRef idx="2">
+            <a:schemeClr val="accent1">
+              <a:shade val="50000"/>
+            </a:schemeClr>
+          </a:lnRef>
+          <a:fillRef idx="1">
+            <a:schemeClr val="accent1"/>
+          </a:fillRef>
+          <a:effectRef idx="0">
+            <a:schemeClr val="accent1"/>
+          </a:effectRef>
+          <a:fontRef idx="minor">
+            <a:schemeClr val="lt1"/>
+          </a:fontRef>
+        </p:style>
+        <p:txBody>
+          <a:bodyPr rtlCol="0" anchor="ctr"/>
+          <a:lstStyle/>
+          <a:p>
+            <a:pPr algn="ctr"/>
+            <a:endParaRPr lang="en-US"/>
+          </a:p>
+        </p:txBody>
+      </p:sp>
+      <p:sp>
+        <p:nvSpPr>
+          <p:cNvPr id="5" name="Oval 4">
+            <a:extLst>
+              <a:ext uri="{FF2B5EF4-FFF2-40B4-BE49-F238E27FC236}">
+                <a16:creationId xmlns:a16="http://schemas.microsoft.com/office/drawing/2014/main" id="{BCE74683-2D28-0B44-BBB9-067F8273652C}"/>
+              </a:ext>
+            </a:extLst>
+          </p:cNvPr>
+          <p:cNvSpPr/>
+          <p:nvPr/>
+        </p:nvSpPr>
+        <p:spPr>
+          <a:xfrm>
+            <a:off x="7790426" y="3638550"/>
+            <a:ext cx="532227" cy="525780"/>
+          </a:xfrm>
+          <a:prstGeom prst="ellipse">
+            <a:avLst/>
+          </a:prstGeom>
+        </p:spPr>
+        <p:style>
+          <a:lnRef idx="2">
+            <a:schemeClr val="accent1">
+              <a:shade val="50000"/>
+            </a:schemeClr>
+          </a:lnRef>
+          <a:fillRef idx="1">
+            <a:schemeClr val="accent1"/>
+          </a:fillRef>
+          <a:effectRef idx="0">
+            <a:schemeClr val="accent1"/>
+          </a:effectRef>
+          <a:fontRef idx="minor">
+            <a:schemeClr val="lt1"/>
+          </a:fontRef>
+        </p:style>
+        <p:txBody>
+          <a:bodyPr rtlCol="0" anchor="ctr"/>
+          <a:lstStyle/>
+          <a:p>
+            <a:pPr algn="ctr"/>
+            <a:endParaRPr lang="en-US"/>
+          </a:p>
+        </p:txBody>
+      </p:sp>
+      <p:sp>
+        <p:nvSpPr>
+          <p:cNvPr id="6" name="Oval 5">
+            <a:extLst>
+              <a:ext uri="{FF2B5EF4-FFF2-40B4-BE49-F238E27FC236}">
+                <a16:creationId xmlns:a16="http://schemas.microsoft.com/office/drawing/2014/main" id="{745FABA2-F80E-2F49-B2A2-1C911F5DFD36}"/>
+              </a:ext>
+            </a:extLst>
+          </p:cNvPr>
+          <p:cNvSpPr/>
+          <p:nvPr/>
+        </p:nvSpPr>
+        <p:spPr>
+          <a:xfrm>
+            <a:off x="9246724" y="3638550"/>
+            <a:ext cx="532227" cy="525780"/>
+          </a:xfrm>
+          <a:prstGeom prst="ellipse">
+            <a:avLst/>
+          </a:prstGeom>
+        </p:spPr>
+        <p:style>
+          <a:lnRef idx="2">
+            <a:schemeClr val="accent1">
+              <a:shade val="50000"/>
+            </a:schemeClr>
+          </a:lnRef>
+          <a:fillRef idx="1">
+            <a:schemeClr val="accent1"/>
+          </a:fillRef>
+          <a:effectRef idx="0">
+            <a:schemeClr val="accent1"/>
+          </a:effectRef>
+          <a:fontRef idx="minor">
+            <a:schemeClr val="lt1"/>
+          </a:fontRef>
+        </p:style>
+        <p:txBody>
+          <a:bodyPr rtlCol="0" anchor="ctr"/>
+          <a:lstStyle/>
+          <a:p>
+            <a:pPr algn="ctr"/>
+            <a:endParaRPr lang="en-US"/>
+          </a:p>
+        </p:txBody>
+      </p:sp>
+      <p:sp>
+        <p:nvSpPr>
+          <p:cNvPr id="7" name="Rectangle 6">
+            <a:extLst>
+              <a:ext uri="{FF2B5EF4-FFF2-40B4-BE49-F238E27FC236}">
+                <a16:creationId xmlns:a16="http://schemas.microsoft.com/office/drawing/2014/main" id="{102E736D-6E5C-7E44-A75B-2E583E6B7F3D}"/>
+              </a:ext>
+            </a:extLst>
+          </p:cNvPr>
+          <p:cNvSpPr/>
+          <p:nvPr/>
+        </p:nvSpPr>
+        <p:spPr>
+          <a:xfrm>
+            <a:off x="6638359" y="3429000"/>
+            <a:ext cx="274320" cy="914400"/>
+          </a:xfrm>
+          <a:prstGeom prst="rect">
+            <a:avLst/>
+          </a:prstGeom>
+        </p:spPr>
+        <p:style>
+          <a:lnRef idx="2">
+            <a:schemeClr val="accent1">
+              <a:shade val="50000"/>
+            </a:schemeClr>
+          </a:lnRef>
+          <a:fillRef idx="1">
+            <a:schemeClr val="accent1"/>
+          </a:fillRef>
+          <a:effectRef idx="0">
+            <a:schemeClr val="accent1"/>
+          </a:effectRef>
+          <a:fontRef idx="minor">
+            <a:schemeClr val="lt1"/>
+          </a:fontRef>
+        </p:style>
+        <p:txBody>
+          <a:bodyPr rtlCol="0" anchor="ctr"/>
+          <a:lstStyle/>
+          <a:p>
+            <a:pPr algn="ctr"/>
+            <a:endParaRPr lang="en-US"/>
+          </a:p>
+        </p:txBody>
+      </p:sp>
+      <p:sp>
+        <p:nvSpPr>
+          <p:cNvPr id="8" name="Rectangle 7">
+            <a:extLst>
+              <a:ext uri="{FF2B5EF4-FFF2-40B4-BE49-F238E27FC236}">
+                <a16:creationId xmlns:a16="http://schemas.microsoft.com/office/drawing/2014/main" id="{62A4DB28-E298-1D42-8BC6-D6720D6438E4}"/>
+              </a:ext>
+            </a:extLst>
+          </p:cNvPr>
+          <p:cNvSpPr/>
+          <p:nvPr/>
+        </p:nvSpPr>
+        <p:spPr>
+          <a:xfrm>
+            <a:off x="5318606" y="3444240"/>
+            <a:ext cx="274320" cy="914400"/>
+          </a:xfrm>
+          <a:prstGeom prst="rect">
+            <a:avLst/>
+          </a:prstGeom>
+        </p:spPr>
+        <p:style>
+          <a:lnRef idx="2">
+            <a:schemeClr val="accent1">
+              <a:shade val="50000"/>
+            </a:schemeClr>
+          </a:lnRef>
+          <a:fillRef idx="1">
+            <a:schemeClr val="accent1"/>
+          </a:fillRef>
+          <a:effectRef idx="0">
+            <a:schemeClr val="accent1"/>
+          </a:effectRef>
+          <a:fontRef idx="minor">
+            <a:schemeClr val="lt1"/>
+          </a:fontRef>
+        </p:style>
+        <p:txBody>
+          <a:bodyPr rtlCol="0" anchor="ctr"/>
+          <a:lstStyle/>
+          <a:p>
+            <a:pPr algn="ctr"/>
+            <a:endParaRPr lang="en-US"/>
+          </a:p>
+        </p:txBody>
+      </p:sp>
+      <p:sp>
+        <p:nvSpPr>
+          <p:cNvPr id="9" name="Rectangle 8">
+            <a:extLst>
+              <a:ext uri="{FF2B5EF4-FFF2-40B4-BE49-F238E27FC236}">
+                <a16:creationId xmlns:a16="http://schemas.microsoft.com/office/drawing/2014/main" id="{409D7C83-3063-1949-8DCB-B2D3BA5B93D1}"/>
+              </a:ext>
+            </a:extLst>
+          </p:cNvPr>
+          <p:cNvSpPr/>
+          <p:nvPr/>
+        </p:nvSpPr>
+        <p:spPr>
+          <a:xfrm>
+            <a:off x="2762700" y="3444240"/>
+            <a:ext cx="274320" cy="914400"/>
+          </a:xfrm>
+          <a:prstGeom prst="rect">
+            <a:avLst/>
+          </a:prstGeom>
+        </p:spPr>
+        <p:style>
+          <a:lnRef idx="2">
+            <a:schemeClr val="accent1">
+              <a:shade val="50000"/>
+            </a:schemeClr>
+          </a:lnRef>
+          <a:fillRef idx="1">
+            <a:schemeClr val="accent1"/>
+          </a:fillRef>
+          <a:effectRef idx="0">
+            <a:schemeClr val="accent1"/>
+          </a:effectRef>
+          <a:fontRef idx="minor">
+            <a:schemeClr val="lt1"/>
+          </a:fontRef>
+        </p:style>
+        <p:txBody>
+          <a:bodyPr rtlCol="0" anchor="ctr"/>
+          <a:lstStyle/>
+          <a:p>
+            <a:pPr algn="ctr"/>
+            <a:endParaRPr lang="en-US"/>
+          </a:p>
+        </p:txBody>
+      </p:sp>
+    </p:spTree>
+    <p:extLst>
+      <p:ext uri="{BB962C8B-B14F-4D97-AF65-F5344CB8AC3E}">
+        <p14:creationId xmlns:p14="http://schemas.microsoft.com/office/powerpoint/2010/main" val="228464503"/>
+      </p:ext>
+    </p:extLst>
+  </p:cSld>
+  <p:clrMapOvr>
+    <a:masterClrMapping/>
+  </p:clrMapOvr>
+</p:sld>
+</file>
+
+<file path=ppt/slides/slide8.xml><?xml version="1.0" encoding="utf-8"?>
+<p:sld xmlns:a="http://schemas.openxmlformats.org/drawingml/2006/main" xmlns:r="http://schemas.openxmlformats.org/officeDocument/2006/relationships" xmlns:p="http://schemas.openxmlformats.org/presentationml/2006/main">
+  <p:cSld>
+    <p:spTree>
+      <p:nvGrpSpPr>
+        <p:cNvPr id="1" name=""/>
+        <p:cNvGrpSpPr/>
+        <p:nvPr/>
+      </p:nvGrpSpPr>
+      <p:grpSpPr>
+        <a:xfrm>
+          <a:off x="0" y="0"/>
+          <a:ext cx="0" cy="0"/>
+          <a:chOff x="0" y="0"/>
+          <a:chExt cx="0" cy="0"/>
+        </a:xfrm>
+      </p:grpSpPr>
+      <p:sp>
+        <p:nvSpPr>
+          <p:cNvPr id="2" name="TextBox 1">
+            <a:extLst>
+              <a:ext uri="{FF2B5EF4-FFF2-40B4-BE49-F238E27FC236}">
+                <a16:creationId xmlns:a16="http://schemas.microsoft.com/office/drawing/2014/main" id="{F40F7924-0138-714D-8C84-985262F72AA6}"/>
+              </a:ext>
+            </a:extLst>
+          </p:cNvPr>
+          <p:cNvSpPr txBox="1"/>
+          <p:nvPr/>
+        </p:nvSpPr>
+        <p:spPr>
+          <a:xfrm>
+            <a:off x="3446877" y="1028700"/>
+            <a:ext cx="5298245" cy="707886"/>
+          </a:xfrm>
+          <a:prstGeom prst="rect">
+            <a:avLst/>
+          </a:prstGeom>
+          <a:noFill/>
+        </p:spPr>
+        <p:txBody>
+          <a:bodyPr wrap="none" rtlCol="0">
+            <a:spAutoFit/>
+          </a:bodyPr>
+          <a:lstStyle/>
+          <a:p>
+            <a:r>
+              <a:rPr lang="en-US" sz="4000" b="1" dirty="0">
+                <a:latin typeface="Arial Black" panose="020B0604020202020204" pitchFamily="34" charset="0"/>
+                <a:cs typeface="Arial Black" panose="020B0604020202020204" pitchFamily="34" charset="0"/>
+              </a:rPr>
+              <a:t>b=1, c=0, d=0, e=2</a:t>
+            </a:r>
+          </a:p>
+        </p:txBody>
+      </p:sp>
+      <p:sp>
+        <p:nvSpPr>
+          <p:cNvPr id="4" name="Oval 3">
+            <a:extLst>
+              <a:ext uri="{FF2B5EF4-FFF2-40B4-BE49-F238E27FC236}">
+                <a16:creationId xmlns:a16="http://schemas.microsoft.com/office/drawing/2014/main" id="{E3B63319-F61A-1E4E-A186-6FECDEFA1090}"/>
+              </a:ext>
+            </a:extLst>
+          </p:cNvPr>
+          <p:cNvSpPr/>
+          <p:nvPr/>
+        </p:nvSpPr>
+        <p:spPr>
+          <a:xfrm>
+            <a:off x="2633746" y="3623310"/>
+            <a:ext cx="532227" cy="525780"/>
+          </a:xfrm>
+          <a:prstGeom prst="ellipse">
+            <a:avLst/>
+          </a:prstGeom>
+        </p:spPr>
+        <p:style>
+          <a:lnRef idx="2">
+            <a:schemeClr val="accent1">
+              <a:shade val="50000"/>
+            </a:schemeClr>
+          </a:lnRef>
+          <a:fillRef idx="1">
+            <a:schemeClr val="accent1"/>
+          </a:fillRef>
+          <a:effectRef idx="0">
+            <a:schemeClr val="accent1"/>
+          </a:effectRef>
+          <a:fontRef idx="minor">
+            <a:schemeClr val="lt1"/>
+          </a:fontRef>
+        </p:style>
+        <p:txBody>
+          <a:bodyPr rtlCol="0" anchor="ctr"/>
+          <a:lstStyle/>
+          <a:p>
+            <a:pPr algn="ctr"/>
+            <a:endParaRPr lang="en-US"/>
+          </a:p>
+        </p:txBody>
+      </p:sp>
+      <p:sp>
+        <p:nvSpPr>
+          <p:cNvPr id="5" name="Oval 4">
+            <a:extLst>
+              <a:ext uri="{FF2B5EF4-FFF2-40B4-BE49-F238E27FC236}">
+                <a16:creationId xmlns:a16="http://schemas.microsoft.com/office/drawing/2014/main" id="{BCE74683-2D28-0B44-BBB9-067F8273652C}"/>
+              </a:ext>
+            </a:extLst>
+          </p:cNvPr>
+          <p:cNvSpPr/>
+          <p:nvPr/>
+        </p:nvSpPr>
+        <p:spPr>
+          <a:xfrm>
+            <a:off x="7790426" y="3638550"/>
+            <a:ext cx="532227" cy="525780"/>
+          </a:xfrm>
+          <a:prstGeom prst="ellipse">
+            <a:avLst/>
+          </a:prstGeom>
+        </p:spPr>
+        <p:style>
+          <a:lnRef idx="2">
+            <a:schemeClr val="accent1">
+              <a:shade val="50000"/>
+            </a:schemeClr>
+          </a:lnRef>
+          <a:fillRef idx="1">
+            <a:schemeClr val="accent1"/>
+          </a:fillRef>
+          <a:effectRef idx="0">
+            <a:schemeClr val="accent1"/>
+          </a:effectRef>
+          <a:fontRef idx="minor">
+            <a:schemeClr val="lt1"/>
+          </a:fontRef>
+        </p:style>
+        <p:txBody>
+          <a:bodyPr rtlCol="0" anchor="ctr"/>
+          <a:lstStyle/>
+          <a:p>
+            <a:pPr algn="ctr"/>
+            <a:endParaRPr lang="en-US"/>
+          </a:p>
+        </p:txBody>
+      </p:sp>
+      <p:sp>
+        <p:nvSpPr>
+          <p:cNvPr id="6" name="Oval 5">
+            <a:extLst>
+              <a:ext uri="{FF2B5EF4-FFF2-40B4-BE49-F238E27FC236}">
+                <a16:creationId xmlns:a16="http://schemas.microsoft.com/office/drawing/2014/main" id="{745FABA2-F80E-2F49-B2A2-1C911F5DFD36}"/>
+              </a:ext>
+            </a:extLst>
+          </p:cNvPr>
+          <p:cNvSpPr/>
+          <p:nvPr/>
+        </p:nvSpPr>
+        <p:spPr>
+          <a:xfrm>
+            <a:off x="9246724" y="3638550"/>
+            <a:ext cx="532227" cy="525780"/>
+          </a:xfrm>
+          <a:prstGeom prst="ellipse">
+            <a:avLst/>
+          </a:prstGeom>
+        </p:spPr>
+        <p:style>
+          <a:lnRef idx="2">
+            <a:schemeClr val="accent1">
+              <a:shade val="50000"/>
+            </a:schemeClr>
+          </a:lnRef>
+          <a:fillRef idx="1">
+            <a:schemeClr val="accent1"/>
+          </a:fillRef>
+          <a:effectRef idx="0">
+            <a:schemeClr val="accent1"/>
+          </a:effectRef>
+          <a:fontRef idx="minor">
+            <a:schemeClr val="lt1"/>
+          </a:fontRef>
+        </p:style>
+        <p:txBody>
+          <a:bodyPr rtlCol="0" anchor="ctr"/>
+          <a:lstStyle/>
+          <a:p>
+            <a:pPr algn="ctr"/>
+            <a:endParaRPr lang="en-US"/>
+          </a:p>
+        </p:txBody>
+      </p:sp>
+      <p:sp>
+        <p:nvSpPr>
+          <p:cNvPr id="7" name="Rectangle 6">
+            <a:extLst>
+              <a:ext uri="{FF2B5EF4-FFF2-40B4-BE49-F238E27FC236}">
+                <a16:creationId xmlns:a16="http://schemas.microsoft.com/office/drawing/2014/main" id="{102E736D-6E5C-7E44-A75B-2E583E6B7F3D}"/>
+              </a:ext>
+            </a:extLst>
+          </p:cNvPr>
+          <p:cNvSpPr/>
+          <p:nvPr/>
+        </p:nvSpPr>
+        <p:spPr>
+          <a:xfrm>
+            <a:off x="6638359" y="3429000"/>
+            <a:ext cx="274320" cy="914400"/>
+          </a:xfrm>
+          <a:prstGeom prst="rect">
+            <a:avLst/>
+          </a:prstGeom>
+        </p:spPr>
+        <p:style>
+          <a:lnRef idx="2">
+            <a:schemeClr val="accent1">
+              <a:shade val="50000"/>
+            </a:schemeClr>
+          </a:lnRef>
+          <a:fillRef idx="1">
+            <a:schemeClr val="accent1"/>
+          </a:fillRef>
+          <a:effectRef idx="0">
+            <a:schemeClr val="accent1"/>
+          </a:effectRef>
+          <a:fontRef idx="minor">
+            <a:schemeClr val="lt1"/>
+          </a:fontRef>
+        </p:style>
+        <p:txBody>
+          <a:bodyPr rtlCol="0" anchor="ctr"/>
+          <a:lstStyle/>
+          <a:p>
+            <a:pPr algn="ctr"/>
+            <a:endParaRPr lang="en-US"/>
+          </a:p>
+        </p:txBody>
+      </p:sp>
+      <p:sp>
+        <p:nvSpPr>
+          <p:cNvPr id="8" name="Rectangle 7">
+            <a:extLst>
+              <a:ext uri="{FF2B5EF4-FFF2-40B4-BE49-F238E27FC236}">
+                <a16:creationId xmlns:a16="http://schemas.microsoft.com/office/drawing/2014/main" id="{62A4DB28-E298-1D42-8BC6-D6720D6438E4}"/>
+              </a:ext>
+            </a:extLst>
+          </p:cNvPr>
+          <p:cNvSpPr/>
+          <p:nvPr/>
+        </p:nvSpPr>
+        <p:spPr>
+          <a:xfrm>
+            <a:off x="5318606" y="3444240"/>
+            <a:ext cx="274320" cy="914400"/>
+          </a:xfrm>
+          <a:prstGeom prst="rect">
+            <a:avLst/>
+          </a:prstGeom>
+        </p:spPr>
+        <p:style>
+          <a:lnRef idx="2">
+            <a:schemeClr val="accent1">
+              <a:shade val="50000"/>
+            </a:schemeClr>
+          </a:lnRef>
+          <a:fillRef idx="1">
+            <a:schemeClr val="accent1"/>
+          </a:fillRef>
+          <a:effectRef idx="0">
+            <a:schemeClr val="accent1"/>
+          </a:effectRef>
+          <a:fontRef idx="minor">
+            <a:schemeClr val="lt1"/>
+          </a:fontRef>
+        </p:style>
+        <p:txBody>
+          <a:bodyPr rtlCol="0" anchor="ctr"/>
+          <a:lstStyle/>
+          <a:p>
+            <a:pPr algn="ctr"/>
+            <a:endParaRPr lang="en-US"/>
+          </a:p>
+        </p:txBody>
+      </p:sp>
+      <p:sp>
+        <p:nvSpPr>
+          <p:cNvPr id="9" name="Rectangle 8">
+            <a:extLst>
+              <a:ext uri="{FF2B5EF4-FFF2-40B4-BE49-F238E27FC236}">
+                <a16:creationId xmlns:a16="http://schemas.microsoft.com/office/drawing/2014/main" id="{409D7C83-3063-1949-8DCB-B2D3BA5B93D1}"/>
+              </a:ext>
+            </a:extLst>
+          </p:cNvPr>
+          <p:cNvSpPr/>
+          <p:nvPr/>
+        </p:nvSpPr>
+        <p:spPr>
+          <a:xfrm>
+            <a:off x="4208046" y="3448050"/>
+            <a:ext cx="274320" cy="914400"/>
+          </a:xfrm>
+          <a:prstGeom prst="rect">
+            <a:avLst/>
+          </a:prstGeom>
+        </p:spPr>
+        <p:style>
+          <a:lnRef idx="2">
+            <a:schemeClr val="accent1">
+              <a:shade val="50000"/>
+            </a:schemeClr>
+          </a:lnRef>
+          <a:fillRef idx="1">
+            <a:schemeClr val="accent1"/>
+          </a:fillRef>
+          <a:effectRef idx="0">
+            <a:schemeClr val="accent1"/>
+          </a:effectRef>
+          <a:fontRef idx="minor">
+            <a:schemeClr val="lt1"/>
+          </a:fontRef>
+        </p:style>
+        <p:txBody>
+          <a:bodyPr rtlCol="0" anchor="ctr"/>
+          <a:lstStyle/>
+          <a:p>
+            <a:pPr algn="ctr"/>
+            <a:endParaRPr lang="en-US"/>
+          </a:p>
+        </p:txBody>
+      </p:sp>
+      <p:pic>
+        <p:nvPicPr>
+          <p:cNvPr id="11" name="Picture 10">
+            <a:extLst>
+              <a:ext uri="{FF2B5EF4-FFF2-40B4-BE49-F238E27FC236}">
+                <a16:creationId xmlns:a16="http://schemas.microsoft.com/office/drawing/2014/main" id="{A28FB752-6874-2E49-857E-17E6241B0F82}"/>
+              </a:ext>
+            </a:extLst>
+          </p:cNvPr>
+          <p:cNvPicPr>
+            <a:picLocks noChangeAspect="1"/>
+          </p:cNvPicPr>
+          <p:nvPr/>
+        </p:nvPicPr>
+        <p:blipFill>
+          <a:blip r:embed="rId2"/>
+          <a:stretch>
+            <a:fillRect/>
+          </a:stretch>
+        </p:blipFill>
+        <p:spPr>
+          <a:xfrm>
+            <a:off x="1874520" y="2868930"/>
+            <a:ext cx="8926829" cy="3714750"/>
+          </a:xfrm>
+          <a:prstGeom prst="rect">
+            <a:avLst/>
+          </a:prstGeom>
+        </p:spPr>
+      </p:pic>
+    </p:spTree>
+    <p:extLst>
+      <p:ext uri="{BB962C8B-B14F-4D97-AF65-F5344CB8AC3E}">
+        <p14:creationId xmlns:p14="http://schemas.microsoft.com/office/powerpoint/2010/main" val="2479655293"/>
+      </p:ext>
+    </p:extLst>
+  </p:cSld>
+  <p:clrMapOvr>
+    <a:masterClrMapping/>
+  </p:clrMapOvr>
+</p:sld>
+</file>
+
+<file path=ppt/slides/slide9.xml><?xml version="1.0" encoding="utf-8"?>
+<p:sld xmlns:a="http://schemas.openxmlformats.org/drawingml/2006/main" xmlns:r="http://schemas.openxmlformats.org/officeDocument/2006/relationships" xmlns:p="http://schemas.openxmlformats.org/presentationml/2006/main">
+  <p:cSld>
+    <p:spTree>
+      <p:nvGrpSpPr>
+        <p:cNvPr id="1" name=""/>
+        <p:cNvGrpSpPr/>
+        <p:nvPr/>
+      </p:nvGrpSpPr>
+      <p:grpSpPr>
+        <a:xfrm>
+          <a:off x="0" y="0"/>
+          <a:ext cx="0" cy="0"/>
+          <a:chOff x="0" y="0"/>
+          <a:chExt cx="0" cy="0"/>
+        </a:xfrm>
+      </p:grpSpPr>
+      <p:sp>
+        <p:nvSpPr>
+          <p:cNvPr id="2" name="TextBox 1">
+            <a:extLst>
+              <a:ext uri="{FF2B5EF4-FFF2-40B4-BE49-F238E27FC236}">
+                <a16:creationId xmlns:a16="http://schemas.microsoft.com/office/drawing/2014/main" id="{F40F7924-0138-714D-8C84-985262F72AA6}"/>
+              </a:ext>
+            </a:extLst>
+          </p:cNvPr>
+          <p:cNvSpPr txBox="1"/>
+          <p:nvPr/>
+        </p:nvSpPr>
+        <p:spPr>
+          <a:xfrm>
+            <a:off x="3446877" y="1028700"/>
+            <a:ext cx="5298245" cy="707886"/>
+          </a:xfrm>
+          <a:prstGeom prst="rect">
+            <a:avLst/>
+          </a:prstGeom>
+          <a:noFill/>
+        </p:spPr>
+        <p:txBody>
+          <a:bodyPr wrap="none" rtlCol="0">
+            <a:spAutoFit/>
+          </a:bodyPr>
+          <a:lstStyle/>
+          <a:p>
+            <a:r>
+              <a:rPr lang="en-US" sz="4000" b="1" dirty="0">
+                <a:latin typeface="Arial Black" panose="020B0604020202020204" pitchFamily="34" charset="0"/>
+                <a:cs typeface="Arial Black" panose="020B0604020202020204" pitchFamily="34" charset="0"/>
+              </a:rPr>
+              <a:t>b=1, c=0, d=0, e=2</a:t>
+            </a:r>
+          </a:p>
+        </p:txBody>
+      </p:sp>
+      <p:sp>
+        <p:nvSpPr>
+          <p:cNvPr id="4" name="Oval 3">
+            <a:extLst>
+              <a:ext uri="{FF2B5EF4-FFF2-40B4-BE49-F238E27FC236}">
+                <a16:creationId xmlns:a16="http://schemas.microsoft.com/office/drawing/2014/main" id="{E3B63319-F61A-1E4E-A186-6FECDEFA1090}"/>
+              </a:ext>
+            </a:extLst>
+          </p:cNvPr>
+          <p:cNvSpPr/>
+          <p:nvPr/>
+        </p:nvSpPr>
+        <p:spPr>
+          <a:xfrm>
+            <a:off x="2633746" y="3623310"/>
+            <a:ext cx="532227" cy="525780"/>
+          </a:xfrm>
+          <a:prstGeom prst="ellipse">
+            <a:avLst/>
+          </a:prstGeom>
+        </p:spPr>
+        <p:style>
+          <a:lnRef idx="2">
+            <a:schemeClr val="accent1">
+              <a:shade val="50000"/>
+            </a:schemeClr>
+          </a:lnRef>
+          <a:fillRef idx="1">
+            <a:schemeClr val="accent1"/>
+          </a:fillRef>
+          <a:effectRef idx="0">
+            <a:schemeClr val="accent1"/>
+          </a:effectRef>
+          <a:fontRef idx="minor">
+            <a:schemeClr val="lt1"/>
+          </a:fontRef>
+        </p:style>
+        <p:txBody>
+          <a:bodyPr rtlCol="0" anchor="ctr"/>
+          <a:lstStyle/>
+          <a:p>
+            <a:pPr algn="ctr"/>
+            <a:endParaRPr lang="en-US"/>
+          </a:p>
+        </p:txBody>
+      </p:sp>
+      <p:sp>
+        <p:nvSpPr>
+          <p:cNvPr id="5" name="Oval 4">
+            <a:extLst>
+              <a:ext uri="{FF2B5EF4-FFF2-40B4-BE49-F238E27FC236}">
+                <a16:creationId xmlns:a16="http://schemas.microsoft.com/office/drawing/2014/main" id="{BCE74683-2D28-0B44-BBB9-067F8273652C}"/>
+              </a:ext>
+            </a:extLst>
+          </p:cNvPr>
+          <p:cNvSpPr/>
+          <p:nvPr/>
+        </p:nvSpPr>
+        <p:spPr>
+          <a:xfrm>
+            <a:off x="7790426" y="3638550"/>
+            <a:ext cx="532227" cy="525780"/>
+          </a:xfrm>
+          <a:prstGeom prst="ellipse">
+            <a:avLst/>
+          </a:prstGeom>
+        </p:spPr>
+        <p:style>
+          <a:lnRef idx="2">
+            <a:schemeClr val="accent1">
+              <a:shade val="50000"/>
+            </a:schemeClr>
+          </a:lnRef>
+          <a:fillRef idx="1">
+            <a:schemeClr val="accent1"/>
+          </a:fillRef>
+          <a:effectRef idx="0">
+            <a:schemeClr val="accent1"/>
+          </a:effectRef>
+          <a:fontRef idx="minor">
+            <a:schemeClr val="lt1"/>
+          </a:fontRef>
+        </p:style>
+        <p:txBody>
+          <a:bodyPr rtlCol="0" anchor="ctr"/>
+          <a:lstStyle/>
+          <a:p>
+            <a:pPr algn="ctr"/>
+            <a:endParaRPr lang="en-US"/>
+          </a:p>
+        </p:txBody>
+      </p:sp>
+      <p:sp>
+        <p:nvSpPr>
+          <p:cNvPr id="6" name="Oval 5">
+            <a:extLst>
+              <a:ext uri="{FF2B5EF4-FFF2-40B4-BE49-F238E27FC236}">
+                <a16:creationId xmlns:a16="http://schemas.microsoft.com/office/drawing/2014/main" id="{745FABA2-F80E-2F49-B2A2-1C911F5DFD36}"/>
+              </a:ext>
+            </a:extLst>
+          </p:cNvPr>
+          <p:cNvSpPr/>
+          <p:nvPr/>
+        </p:nvSpPr>
+        <p:spPr>
+          <a:xfrm>
+            <a:off x="9246724" y="3638550"/>
+            <a:ext cx="532227" cy="525780"/>
+          </a:xfrm>
+          <a:prstGeom prst="ellipse">
+            <a:avLst/>
+          </a:prstGeom>
+        </p:spPr>
+        <p:style>
+          <a:lnRef idx="2">
+            <a:schemeClr val="accent1">
+              <a:shade val="50000"/>
+            </a:schemeClr>
+          </a:lnRef>
+          <a:fillRef idx="1">
+            <a:schemeClr val="accent1"/>
+          </a:fillRef>
+          <a:effectRef idx="0">
+            <a:schemeClr val="accent1"/>
+          </a:effectRef>
+          <a:fontRef idx="minor">
+            <a:schemeClr val="lt1"/>
+          </a:fontRef>
+        </p:style>
+        <p:txBody>
+          <a:bodyPr rtlCol="0" anchor="ctr"/>
+          <a:lstStyle/>
+          <a:p>
+            <a:pPr algn="ctr"/>
+            <a:endParaRPr lang="en-US"/>
+          </a:p>
+        </p:txBody>
+      </p:sp>
+      <p:sp>
+        <p:nvSpPr>
+          <p:cNvPr id="7" name="Rectangle 6">
+            <a:extLst>
+              <a:ext uri="{FF2B5EF4-FFF2-40B4-BE49-F238E27FC236}">
+                <a16:creationId xmlns:a16="http://schemas.microsoft.com/office/drawing/2014/main" id="{102E736D-6E5C-7E44-A75B-2E583E6B7F3D}"/>
+              </a:ext>
+            </a:extLst>
+          </p:cNvPr>
+          <p:cNvSpPr/>
+          <p:nvPr/>
+        </p:nvSpPr>
+        <p:spPr>
+          <a:xfrm>
+            <a:off x="6638359" y="3429000"/>
+            <a:ext cx="274320" cy="914400"/>
+          </a:xfrm>
+          <a:prstGeom prst="rect">
+            <a:avLst/>
+          </a:prstGeom>
+        </p:spPr>
+        <p:style>
+          <a:lnRef idx="2">
+            <a:schemeClr val="accent1">
+              <a:shade val="50000"/>
+            </a:schemeClr>
+          </a:lnRef>
+          <a:fillRef idx="1">
+            <a:schemeClr val="accent1"/>
+          </a:fillRef>
+          <a:effectRef idx="0">
+            <a:schemeClr val="accent1"/>
+          </a:effectRef>
+          <a:fontRef idx="minor">
+            <a:schemeClr val="lt1"/>
+          </a:fontRef>
+        </p:style>
+        <p:txBody>
+          <a:bodyPr rtlCol="0" anchor="ctr"/>
+          <a:lstStyle/>
+          <a:p>
+            <a:pPr algn="ctr"/>
+            <a:endParaRPr lang="en-US"/>
+          </a:p>
+        </p:txBody>
+      </p:sp>
+      <p:sp>
+        <p:nvSpPr>
+          <p:cNvPr id="8" name="Rectangle 7">
+            <a:extLst>
+              <a:ext uri="{FF2B5EF4-FFF2-40B4-BE49-F238E27FC236}">
+                <a16:creationId xmlns:a16="http://schemas.microsoft.com/office/drawing/2014/main" id="{62A4DB28-E298-1D42-8BC6-D6720D6438E4}"/>
+              </a:ext>
+            </a:extLst>
+          </p:cNvPr>
+          <p:cNvSpPr/>
+          <p:nvPr/>
+        </p:nvSpPr>
+        <p:spPr>
+          <a:xfrm>
+            <a:off x="5318606" y="3444240"/>
+            <a:ext cx="274320" cy="914400"/>
+          </a:xfrm>
+          <a:prstGeom prst="rect">
+            <a:avLst/>
+          </a:prstGeom>
+        </p:spPr>
+        <p:style>
+          <a:lnRef idx="2">
+            <a:schemeClr val="accent1">
+              <a:shade val="50000"/>
+            </a:schemeClr>
+          </a:lnRef>
+          <a:fillRef idx="1">
+            <a:schemeClr val="accent1"/>
+          </a:fillRef>
+          <a:effectRef idx="0">
+            <a:schemeClr val="accent1"/>
+          </a:effectRef>
+          <a:fontRef idx="minor">
+            <a:schemeClr val="lt1"/>
+          </a:fontRef>
+        </p:style>
+        <p:txBody>
+          <a:bodyPr rtlCol="0" anchor="ctr"/>
+          <a:lstStyle/>
+          <a:p>
+            <a:pPr algn="ctr"/>
+            <a:endParaRPr lang="en-US"/>
+          </a:p>
+        </p:txBody>
+      </p:sp>
+      <p:sp>
+        <p:nvSpPr>
+          <p:cNvPr id="9" name="Rectangle 8">
+            <a:extLst>
+              <a:ext uri="{FF2B5EF4-FFF2-40B4-BE49-F238E27FC236}">
+                <a16:creationId xmlns:a16="http://schemas.microsoft.com/office/drawing/2014/main" id="{409D7C83-3063-1949-8DCB-B2D3BA5B93D1}"/>
+              </a:ext>
+            </a:extLst>
+          </p:cNvPr>
+          <p:cNvSpPr/>
+          <p:nvPr/>
+        </p:nvSpPr>
+        <p:spPr>
+          <a:xfrm>
+            <a:off x="4208046" y="3448050"/>
+            <a:ext cx="274320" cy="914400"/>
+          </a:xfrm>
+          <a:prstGeom prst="rect">
+            <a:avLst/>
+          </a:prstGeom>
+        </p:spPr>
+        <p:style>
+          <a:lnRef idx="2">
+            <a:schemeClr val="accent1">
+              <a:shade val="50000"/>
+            </a:schemeClr>
+          </a:lnRef>
+          <a:fillRef idx="1">
+            <a:schemeClr val="accent1"/>
+          </a:fillRef>
+          <a:effectRef idx="0">
+            <a:schemeClr val="accent1"/>
+          </a:effectRef>
+          <a:fontRef idx="minor">
+            <a:schemeClr val="lt1"/>
+          </a:fontRef>
+        </p:style>
+        <p:txBody>
+          <a:bodyPr rtlCol="0" anchor="ctr"/>
+          <a:lstStyle/>
+          <a:p>
+            <a:pPr algn="ctr"/>
+            <a:endParaRPr lang="en-US"/>
+          </a:p>
+        </p:txBody>
+      </p:sp>
+    </p:spTree>
+    <p:extLst>
+      <p:ext uri="{BB962C8B-B14F-4D97-AF65-F5344CB8AC3E}">
+        <p14:creationId xmlns:p14="http://schemas.microsoft.com/office/powerpoint/2010/main" val="2704104940"/>
       </p:ext>
     </p:extLst>
   </p:cSld>
